--- a/Mod_01_/01_02_ML/Lec_01_02_git.pptx
+++ b/Mod_01_/01_02_ML/Lec_01_02_git.pptx
@@ -5,33 +5,32 @@
     <p:sldMasterId id="2147483932" r:id="rId1"/>
   </p:sldMasterIdLst>
   <p:notesMasterIdLst>
-    <p:notesMasterId r:id="rId26"/>
+    <p:notesMasterId r:id="rId25"/>
   </p:notesMasterIdLst>
   <p:sldIdLst>
     <p:sldId id="256" r:id="rId2"/>
-    <p:sldId id="566" r:id="rId3"/>
-    <p:sldId id="627" r:id="rId4"/>
-    <p:sldId id="263" r:id="rId5"/>
-    <p:sldId id="715" r:id="rId6"/>
-    <p:sldId id="707" r:id="rId7"/>
-    <p:sldId id="706" r:id="rId8"/>
-    <p:sldId id="708" r:id="rId9"/>
-    <p:sldId id="709" r:id="rId10"/>
-    <p:sldId id="575" r:id="rId11"/>
-    <p:sldId id="629" r:id="rId12"/>
-    <p:sldId id="714" r:id="rId13"/>
-    <p:sldId id="710" r:id="rId14"/>
-    <p:sldId id="711" r:id="rId15"/>
-    <p:sldId id="716" r:id="rId16"/>
-    <p:sldId id="712" r:id="rId17"/>
-    <p:sldId id="718" r:id="rId18"/>
-    <p:sldId id="717" r:id="rId19"/>
-    <p:sldId id="719" r:id="rId20"/>
-    <p:sldId id="720" r:id="rId21"/>
-    <p:sldId id="609" r:id="rId22"/>
-    <p:sldId id="721" r:id="rId23"/>
-    <p:sldId id="628" r:id="rId24"/>
-    <p:sldId id="576" r:id="rId25"/>
+    <p:sldId id="627" r:id="rId3"/>
+    <p:sldId id="263" r:id="rId4"/>
+    <p:sldId id="715" r:id="rId5"/>
+    <p:sldId id="707" r:id="rId6"/>
+    <p:sldId id="706" r:id="rId7"/>
+    <p:sldId id="708" r:id="rId8"/>
+    <p:sldId id="709" r:id="rId9"/>
+    <p:sldId id="575" r:id="rId10"/>
+    <p:sldId id="629" r:id="rId11"/>
+    <p:sldId id="714" r:id="rId12"/>
+    <p:sldId id="710" r:id="rId13"/>
+    <p:sldId id="711" r:id="rId14"/>
+    <p:sldId id="716" r:id="rId15"/>
+    <p:sldId id="712" r:id="rId16"/>
+    <p:sldId id="718" r:id="rId17"/>
+    <p:sldId id="717" r:id="rId18"/>
+    <p:sldId id="719" r:id="rId19"/>
+    <p:sldId id="720" r:id="rId20"/>
+    <p:sldId id="609" r:id="rId21"/>
+    <p:sldId id="721" r:id="rId22"/>
+    <p:sldId id="628" r:id="rId23"/>
+    <p:sldId id="576" r:id="rId24"/>
   </p:sldIdLst>
   <p:sldSz cx="9144000" cy="6858000" type="screen4x3"/>
   <p:notesSz cx="6742113" cy="9882188"/>
@@ -814,7 +813,7 @@
             <a:fld id="{A6DA315C-6A99-4445-B241-5FC8AEE920E2}" type="slidenum">
               <a:rPr lang="uk-UA" altLang="ru-RU" smtClean="0"/>
               <a:pPr/>
-              <a:t>3</a:t>
+              <a:t>2</a:t>
             </a:fld>
             <a:endParaRPr lang="uk-UA" altLang="ru-RU"/>
           </a:p>
@@ -1002,7 +1001,7 @@
                 <a:tabLst/>
                 <a:defRPr/>
               </a:pPr>
-              <a:t>12</a:t>
+              <a:t>11</a:t>
             </a:fld>
             <a:endParaRPr kumimoji="0" lang="en-US" altLang="en-US" sz="1200" b="0" i="0" u="none" strike="noStrike" kern="1200" cap="none" spc="0" normalizeH="0" baseline="0" noProof="0">
               <a:ln>
@@ -1203,7 +1202,7 @@
                 <a:tabLst/>
                 <a:defRPr/>
               </a:pPr>
-              <a:t>13</a:t>
+              <a:t>12</a:t>
             </a:fld>
             <a:endParaRPr kumimoji="0" lang="en-US" altLang="en-US" sz="1200" b="0" i="0" u="none" strike="noStrike" kern="1200" cap="none" spc="0" normalizeH="0" baseline="0" noProof="0">
               <a:ln>
@@ -1404,7 +1403,7 @@
                 <a:tabLst/>
                 <a:defRPr/>
               </a:pPr>
-              <a:t>14</a:t>
+              <a:t>13</a:t>
             </a:fld>
             <a:endParaRPr kumimoji="0" lang="en-US" altLang="en-US" sz="1200" b="0" i="0" u="none" strike="noStrike" kern="1200" cap="none" spc="0" normalizeH="0" baseline="0" noProof="0">
               <a:ln>
@@ -1635,7 +1634,7 @@
                 <a:tabLst/>
                 <a:defRPr/>
               </a:pPr>
-              <a:t>15</a:t>
+              <a:t>14</a:t>
             </a:fld>
             <a:endParaRPr kumimoji="0" lang="en-US" altLang="en-US" sz="1200" b="0" i="0" u="none" strike="noStrike" kern="1200" cap="none" spc="0" normalizeH="0" baseline="0" noProof="0">
               <a:ln>
@@ -2783,7 +2782,7 @@
                 <a:tabLst/>
                 <a:defRPr/>
               </a:pPr>
-              <a:t>16</a:t>
+              <a:t>15</a:t>
             </a:fld>
             <a:endParaRPr kumimoji="0" lang="en-US" altLang="en-US" sz="1200" b="0" i="0" u="none" strike="noStrike" kern="1200" cap="none" spc="0" normalizeH="0" baseline="0" noProof="0">
               <a:ln>
@@ -4950,7 +4949,7 @@
                 <a:tabLst/>
                 <a:defRPr/>
               </a:pPr>
-              <a:t>17</a:t>
+              <a:t>16</a:t>
             </a:fld>
             <a:endParaRPr kumimoji="0" lang="en-US" altLang="en-US" sz="1200" b="0" i="0" u="none" strike="noStrike" kern="1200" cap="none" spc="0" normalizeH="0" baseline="0" noProof="0">
               <a:ln>
@@ -5181,7 +5180,7 @@
                 <a:tabLst/>
                 <a:defRPr/>
               </a:pPr>
-              <a:t>18</a:t>
+              <a:t>17</a:t>
             </a:fld>
             <a:endParaRPr kumimoji="0" lang="en-US" altLang="en-US" sz="1200" b="0" i="0" u="none" strike="noStrike" kern="1200" cap="none" spc="0" normalizeH="0" baseline="0" noProof="0">
               <a:ln>
@@ -5412,7 +5411,7 @@
                 <a:tabLst/>
                 <a:defRPr/>
               </a:pPr>
-              <a:t>19</a:t>
+              <a:t>18</a:t>
             </a:fld>
             <a:endParaRPr kumimoji="0" lang="en-US" altLang="en-US" sz="1200" b="0" i="0" u="none" strike="noStrike" kern="1200" cap="none" spc="0" normalizeH="0" baseline="0" noProof="0">
               <a:ln>
@@ -5643,7 +5642,7 @@
                 <a:tabLst/>
                 <a:defRPr/>
               </a:pPr>
-              <a:t>20</a:t>
+              <a:t>19</a:t>
             </a:fld>
             <a:endParaRPr kumimoji="0" lang="en-US" altLang="en-US" sz="1200" b="0" i="0" u="none" strike="noStrike" kern="1200" cap="none" spc="0" normalizeH="0" baseline="0" noProof="0">
               <a:ln>
@@ -5745,7 +5744,7 @@
           <a:p>
             <a:fld id="{A7DAF726-C35F-4078-830F-6720CB24D16B}" type="slidenum">
               <a:rPr lang="lt-LT" smtClean="0"/>
-              <a:t>4</a:t>
+              <a:t>3</a:t>
             </a:fld>
             <a:endParaRPr lang="lt-LT"/>
           </a:p>
@@ -5858,7 +5857,7 @@
           <a:p>
             <a:fld id="{A7DAF726-C35F-4078-830F-6720CB24D16B}" type="slidenum">
               <a:rPr lang="lt-LT" smtClean="0"/>
-              <a:t>5</a:t>
+              <a:t>4</a:t>
             </a:fld>
             <a:endParaRPr lang="lt-LT"/>
           </a:p>
@@ -5947,7 +5946,7 @@
           <a:p>
             <a:fld id="{A7DAF726-C35F-4078-830F-6720CB24D16B}" type="slidenum">
               <a:rPr lang="lt-LT" smtClean="0"/>
-              <a:t>6</a:t>
+              <a:t>5</a:t>
             </a:fld>
             <a:endParaRPr lang="lt-LT"/>
           </a:p>
@@ -6036,7 +6035,7 @@
           <a:p>
             <a:fld id="{A7DAF726-C35F-4078-830F-6720CB24D16B}" type="slidenum">
               <a:rPr lang="lt-LT" smtClean="0"/>
-              <a:t>7</a:t>
+              <a:t>6</a:t>
             </a:fld>
             <a:endParaRPr lang="lt-LT"/>
           </a:p>
@@ -6125,7 +6124,7 @@
           <a:p>
             <a:fld id="{A7DAF726-C35F-4078-830F-6720CB24D16B}" type="slidenum">
               <a:rPr lang="lt-LT" smtClean="0"/>
-              <a:t>8</a:t>
+              <a:t>7</a:t>
             </a:fld>
             <a:endParaRPr lang="lt-LT"/>
           </a:p>
@@ -6214,7 +6213,7 @@
           <a:p>
             <a:fld id="{A7DAF726-C35F-4078-830F-6720CB24D16B}" type="slidenum">
               <a:rPr lang="lt-LT" smtClean="0"/>
-              <a:t>9</a:t>
+              <a:t>8</a:t>
             </a:fld>
             <a:endParaRPr lang="lt-LT"/>
           </a:p>
@@ -6304,7 +6303,7 @@
             <a:fld id="{A6DA315C-6A99-4445-B241-5FC8AEE920E2}" type="slidenum">
               <a:rPr lang="uk-UA" altLang="ru-RU" smtClean="0"/>
               <a:pPr/>
-              <a:t>10</a:t>
+              <a:t>9</a:t>
             </a:fld>
             <a:endParaRPr lang="uk-UA" altLang="ru-RU"/>
           </a:p>
@@ -6702,7 +6701,7 @@
             <a:fld id="{A6DA315C-6A99-4445-B241-5FC8AEE920E2}" type="slidenum">
               <a:rPr lang="uk-UA" altLang="ru-RU" smtClean="0"/>
               <a:pPr/>
-              <a:t>11</a:t>
+              <a:t>10</a:t>
             </a:fld>
             <a:endParaRPr lang="uk-UA" altLang="ru-RU"/>
           </a:p>
@@ -6874,7 +6873,7 @@
               <a:pPr>
                 <a:defRPr/>
               </a:pPr>
-              <a:t>14.06.2024</a:t>
+              <a:t>29.06.2024</a:t>
             </a:fld>
             <a:endParaRPr lang="uk-UA">
               <a:solidFill>
@@ -7092,7 +7091,7 @@
               <a:pPr>
                 <a:defRPr/>
               </a:pPr>
-              <a:t>14.06.2024</a:t>
+              <a:t>29.06.2024</a:t>
             </a:fld>
             <a:endParaRPr lang="uk-UA">
               <a:solidFill>
@@ -7320,7 +7319,7 @@
               <a:pPr>
                 <a:defRPr/>
               </a:pPr>
-              <a:t>14.06.2024</a:t>
+              <a:t>29.06.2024</a:t>
             </a:fld>
             <a:endParaRPr lang="uk-UA">
               <a:solidFill>
@@ -7622,7 +7621,7 @@
               <a:pPr>
                 <a:defRPr/>
               </a:pPr>
-              <a:t>14.06.2024</a:t>
+              <a:t>29.06.2024</a:t>
             </a:fld>
             <a:endParaRPr lang="uk-UA">
               <a:solidFill>
@@ -7917,7 +7916,7 @@
               <a:pPr>
                 <a:defRPr/>
               </a:pPr>
-              <a:t>14.06.2024</a:t>
+              <a:t>29.06.2024</a:t>
             </a:fld>
             <a:endParaRPr lang="uk-UA">
               <a:solidFill>
@@ -8202,7 +8201,7 @@
               <a:pPr>
                 <a:defRPr/>
               </a:pPr>
-              <a:t>14.06.2024</a:t>
+              <a:t>29.06.2024</a:t>
             </a:fld>
             <a:endParaRPr lang="uk-UA">
               <a:solidFill>
@@ -8634,7 +8633,7 @@
               <a:pPr>
                 <a:defRPr/>
               </a:pPr>
-              <a:t>14.06.2024</a:t>
+              <a:t>29.06.2024</a:t>
             </a:fld>
             <a:endParaRPr lang="uk-UA">
               <a:solidFill>
@@ -8795,7 +8794,7 @@
               <a:pPr>
                 <a:defRPr/>
               </a:pPr>
-              <a:t>14.06.2024</a:t>
+              <a:t>29.06.2024</a:t>
             </a:fld>
             <a:endParaRPr lang="uk-UA">
               <a:solidFill>
@@ -8928,7 +8927,7 @@
               <a:pPr>
                 <a:defRPr/>
               </a:pPr>
-              <a:t>14.06.2024</a:t>
+              <a:t>29.06.2024</a:t>
             </a:fld>
             <a:endParaRPr lang="uk-UA">
               <a:solidFill>
@@ -9259,7 +9258,7 @@
               <a:pPr>
                 <a:defRPr/>
               </a:pPr>
-              <a:t>14.06.2024</a:t>
+              <a:t>29.06.2024</a:t>
             </a:fld>
             <a:endParaRPr lang="uk-UA">
               <a:solidFill>
@@ -9567,7 +9566,7 @@
               <a:pPr>
                 <a:defRPr/>
               </a:pPr>
-              <a:t>14.06.2024</a:t>
+              <a:t>29.06.2024</a:t>
             </a:fld>
             <a:endParaRPr lang="uk-UA">
               <a:solidFill>
@@ -9846,7 +9845,7 @@
               <a:pPr>
                 <a:defRPr/>
               </a:pPr>
-              <a:t>14.06.2024</a:t>
+              <a:t>29.06.2024</a:t>
             </a:fld>
             <a:endParaRPr lang="uk-UA">
               <a:solidFill>
@@ -10382,7 +10381,7 @@
                 </a:solidFill>
                 <a:latin typeface="Times New Roman" panose="02020603050405020304" pitchFamily="18" charset="0"/>
               </a:rPr>
-              <a:t>Частина </a:t>
+              <a:t>Модуль </a:t>
             </a:r>
             <a:r>
               <a:rPr lang="en-US" altLang="ru-RU" sz="3200" b="1" dirty="0">
@@ -10564,565 +10563,6 @@
 </file>
 
 <file path=ppt/slides/slide10.xml><?xml version="1.0" encoding="utf-8"?>
-<p:sld xmlns:a="http://schemas.openxmlformats.org/drawingml/2006/main" xmlns:r="http://schemas.openxmlformats.org/officeDocument/2006/relationships" xmlns:p="http://schemas.openxmlformats.org/presentationml/2006/main">
-  <p:cSld>
-    <p:spTree>
-      <p:nvGrpSpPr>
-        <p:cNvPr id="1" name=""/>
-        <p:cNvGrpSpPr/>
-        <p:nvPr/>
-      </p:nvGrpSpPr>
-      <p:grpSpPr>
-        <a:xfrm>
-          <a:off x="0" y="0"/>
-          <a:ext cx="0" cy="0"/>
-          <a:chOff x="0" y="0"/>
-          <a:chExt cx="0" cy="0"/>
-        </a:xfrm>
-      </p:grpSpPr>
-      <p:sp>
-        <p:nvSpPr>
-          <p:cNvPr id="4" name="Rectangle 3">
-            <a:extLst>
-              <a:ext uri="{FF2B5EF4-FFF2-40B4-BE49-F238E27FC236}">
-                <a16:creationId xmlns:a16="http://schemas.microsoft.com/office/drawing/2014/main" id="{DE2D3578-5540-41FF-B0DB-3125BDD3DDB2}"/>
-              </a:ext>
-            </a:extLst>
-          </p:cNvPr>
-          <p:cNvSpPr txBox="1">
-            <a:spLocks noChangeArrowheads="1"/>
-          </p:cNvSpPr>
-          <p:nvPr/>
-        </p:nvSpPr>
-        <p:spPr>
-          <a:xfrm>
-            <a:off x="349696" y="836712"/>
-            <a:ext cx="8686800" cy="5339795"/>
-          </a:xfrm>
-          <a:prstGeom prst="rect">
-            <a:avLst/>
-          </a:prstGeom>
-        </p:spPr>
-        <p:txBody>
-          <a:bodyPr vert="horz" lIns="91440" tIns="45720" rIns="91440" bIns="45720" rtlCol="0">
-            <a:spAutoFit/>
-          </a:bodyPr>
-          <a:lstStyle>
-            <a:lvl1pPr marL="171450" indent="-171450" algn="l" defTabSz="685800" rtl="0" eaLnBrk="1" latinLnBrk="0" hangingPunct="1">
-              <a:lnSpc>
-                <a:spcPct val="90000"/>
-              </a:lnSpc>
-              <a:spcBef>
-                <a:spcPts val="750"/>
-              </a:spcBef>
-              <a:buFont typeface="Arial" panose="020B0604020202020204" pitchFamily="34" charset="0"/>
-              <a:buChar char="•"/>
-              <a:defRPr sz="2100" kern="1200">
-                <a:solidFill>
-                  <a:schemeClr val="tx1"/>
-                </a:solidFill>
-                <a:latin typeface="+mn-lt"/>
-                <a:ea typeface="+mn-ea"/>
-                <a:cs typeface="+mn-cs"/>
-              </a:defRPr>
-            </a:lvl1pPr>
-            <a:lvl2pPr marL="514350" indent="-171450" algn="l" defTabSz="685800" rtl="0" eaLnBrk="1" latinLnBrk="0" hangingPunct="1">
-              <a:lnSpc>
-                <a:spcPct val="90000"/>
-              </a:lnSpc>
-              <a:spcBef>
-                <a:spcPts val="375"/>
-              </a:spcBef>
-              <a:buFont typeface="Arial" panose="020B0604020202020204" pitchFamily="34" charset="0"/>
-              <a:buChar char="•"/>
-              <a:defRPr sz="1800" kern="1200">
-                <a:solidFill>
-                  <a:schemeClr val="tx1"/>
-                </a:solidFill>
-                <a:latin typeface="+mn-lt"/>
-                <a:ea typeface="+mn-ea"/>
-                <a:cs typeface="+mn-cs"/>
-              </a:defRPr>
-            </a:lvl2pPr>
-            <a:lvl3pPr marL="857250" indent="-171450" algn="l" defTabSz="685800" rtl="0" eaLnBrk="1" latinLnBrk="0" hangingPunct="1">
-              <a:lnSpc>
-                <a:spcPct val="90000"/>
-              </a:lnSpc>
-              <a:spcBef>
-                <a:spcPts val="375"/>
-              </a:spcBef>
-              <a:buFont typeface="Arial" panose="020B0604020202020204" pitchFamily="34" charset="0"/>
-              <a:buChar char="•"/>
-              <a:defRPr sz="1500" kern="1200">
-                <a:solidFill>
-                  <a:schemeClr val="tx1"/>
-                </a:solidFill>
-                <a:latin typeface="+mn-lt"/>
-                <a:ea typeface="+mn-ea"/>
-                <a:cs typeface="+mn-cs"/>
-              </a:defRPr>
-            </a:lvl3pPr>
-            <a:lvl4pPr marL="1200150" indent="-171450" algn="l" defTabSz="685800" rtl="0" eaLnBrk="1" latinLnBrk="0" hangingPunct="1">
-              <a:lnSpc>
-                <a:spcPct val="90000"/>
-              </a:lnSpc>
-              <a:spcBef>
-                <a:spcPts val="375"/>
-              </a:spcBef>
-              <a:buFont typeface="Arial" panose="020B0604020202020204" pitchFamily="34" charset="0"/>
-              <a:buChar char="•"/>
-              <a:defRPr sz="1350" kern="1200">
-                <a:solidFill>
-                  <a:schemeClr val="tx1"/>
-                </a:solidFill>
-                <a:latin typeface="+mn-lt"/>
-                <a:ea typeface="+mn-ea"/>
-                <a:cs typeface="+mn-cs"/>
-              </a:defRPr>
-            </a:lvl4pPr>
-            <a:lvl5pPr marL="1543050" indent="-171450" algn="l" defTabSz="685800" rtl="0" eaLnBrk="1" latinLnBrk="0" hangingPunct="1">
-              <a:lnSpc>
-                <a:spcPct val="90000"/>
-              </a:lnSpc>
-              <a:spcBef>
-                <a:spcPts val="375"/>
-              </a:spcBef>
-              <a:buFont typeface="Arial" panose="020B0604020202020204" pitchFamily="34" charset="0"/>
-              <a:buChar char="•"/>
-              <a:defRPr sz="1350" kern="1200">
-                <a:solidFill>
-                  <a:schemeClr val="tx1"/>
-                </a:solidFill>
-                <a:latin typeface="+mn-lt"/>
-                <a:ea typeface="+mn-ea"/>
-                <a:cs typeface="+mn-cs"/>
-              </a:defRPr>
-            </a:lvl5pPr>
-            <a:lvl6pPr marL="1885950" indent="-171450" algn="l" defTabSz="685800" rtl="0" eaLnBrk="1" latinLnBrk="0" hangingPunct="1">
-              <a:lnSpc>
-                <a:spcPct val="90000"/>
-              </a:lnSpc>
-              <a:spcBef>
-                <a:spcPts val="375"/>
-              </a:spcBef>
-              <a:buFont typeface="Arial" panose="020B0604020202020204" pitchFamily="34" charset="0"/>
-              <a:buChar char="•"/>
-              <a:defRPr sz="1350" kern="1200">
-                <a:solidFill>
-                  <a:schemeClr val="tx1"/>
-                </a:solidFill>
-                <a:latin typeface="+mn-lt"/>
-                <a:ea typeface="+mn-ea"/>
-                <a:cs typeface="+mn-cs"/>
-              </a:defRPr>
-            </a:lvl6pPr>
-            <a:lvl7pPr marL="2228850" indent="-171450" algn="l" defTabSz="685800" rtl="0" eaLnBrk="1" latinLnBrk="0" hangingPunct="1">
-              <a:lnSpc>
-                <a:spcPct val="90000"/>
-              </a:lnSpc>
-              <a:spcBef>
-                <a:spcPts val="375"/>
-              </a:spcBef>
-              <a:buFont typeface="Arial" panose="020B0604020202020204" pitchFamily="34" charset="0"/>
-              <a:buChar char="•"/>
-              <a:defRPr sz="1350" kern="1200">
-                <a:solidFill>
-                  <a:schemeClr val="tx1"/>
-                </a:solidFill>
-                <a:latin typeface="+mn-lt"/>
-                <a:ea typeface="+mn-ea"/>
-                <a:cs typeface="+mn-cs"/>
-              </a:defRPr>
-            </a:lvl7pPr>
-            <a:lvl8pPr marL="2571750" indent="-171450" algn="l" defTabSz="685800" rtl="0" eaLnBrk="1" latinLnBrk="0" hangingPunct="1">
-              <a:lnSpc>
-                <a:spcPct val="90000"/>
-              </a:lnSpc>
-              <a:spcBef>
-                <a:spcPts val="375"/>
-              </a:spcBef>
-              <a:buFont typeface="Arial" panose="020B0604020202020204" pitchFamily="34" charset="0"/>
-              <a:buChar char="•"/>
-              <a:defRPr sz="1350" kern="1200">
-                <a:solidFill>
-                  <a:schemeClr val="tx1"/>
-                </a:solidFill>
-                <a:latin typeface="+mn-lt"/>
-                <a:ea typeface="+mn-ea"/>
-                <a:cs typeface="+mn-cs"/>
-              </a:defRPr>
-            </a:lvl8pPr>
-            <a:lvl9pPr marL="2914650" indent="-171450" algn="l" defTabSz="685800" rtl="0" eaLnBrk="1" latinLnBrk="0" hangingPunct="1">
-              <a:lnSpc>
-                <a:spcPct val="90000"/>
-              </a:lnSpc>
-              <a:spcBef>
-                <a:spcPts val="375"/>
-              </a:spcBef>
-              <a:buFont typeface="Arial" panose="020B0604020202020204" pitchFamily="34" charset="0"/>
-              <a:buChar char="•"/>
-              <a:defRPr sz="1350" kern="1200">
-                <a:solidFill>
-                  <a:schemeClr val="tx1"/>
-                </a:solidFill>
-                <a:latin typeface="+mn-lt"/>
-                <a:ea typeface="+mn-ea"/>
-                <a:cs typeface="+mn-cs"/>
-              </a:defRPr>
-            </a:lvl9pPr>
-          </a:lstStyle>
-          <a:p>
-            <a:pPr marL="0" indent="0">
-              <a:buNone/>
-              <a:defRPr/>
-            </a:pPr>
-            <a:r>
-              <a:rPr lang="uk-UA" sz="2800" b="1" dirty="0">
-                <a:solidFill>
-                  <a:srgbClr val="002060"/>
-                </a:solidFill>
-                <a:latin typeface="Book Antiqua" panose="02040602050305030304" pitchFamily="18" charset="0"/>
-              </a:rPr>
-              <a:t>Машинне навчання (МН, </a:t>
-            </a:r>
-            <a:r>
-              <a:rPr lang="de-DE" sz="2800" b="1" dirty="0" err="1">
-                <a:solidFill>
-                  <a:srgbClr val="002060"/>
-                </a:solidFill>
-                <a:latin typeface="Book Antiqua" panose="02040602050305030304" pitchFamily="18" charset="0"/>
-              </a:rPr>
-              <a:t>machine</a:t>
-            </a:r>
-            <a:r>
-              <a:rPr lang="de-DE" sz="2800" b="1" dirty="0">
-                <a:solidFill>
-                  <a:srgbClr val="002060"/>
-                </a:solidFill>
-                <a:latin typeface="Book Antiqua" panose="02040602050305030304" pitchFamily="18" charset="0"/>
-              </a:rPr>
-              <a:t> </a:t>
-            </a:r>
-            <a:r>
-              <a:rPr lang="de-DE" sz="2800" b="1" dirty="0" err="1">
-                <a:solidFill>
-                  <a:srgbClr val="002060"/>
-                </a:solidFill>
-                <a:latin typeface="Book Antiqua" panose="02040602050305030304" pitchFamily="18" charset="0"/>
-              </a:rPr>
-              <a:t>learning</a:t>
-            </a:r>
-            <a:r>
-              <a:rPr lang="de-DE" sz="2800" b="1" dirty="0">
-                <a:solidFill>
-                  <a:srgbClr val="002060"/>
-                </a:solidFill>
-                <a:latin typeface="Book Antiqua" panose="02040602050305030304" pitchFamily="18" charset="0"/>
-              </a:rPr>
-              <a:t>, ML) — </a:t>
-            </a:r>
-            <a:r>
-              <a:rPr lang="uk-UA" sz="2800" dirty="0">
-                <a:solidFill>
-                  <a:srgbClr val="002060"/>
-                </a:solidFill>
-                <a:latin typeface="Book Antiqua" panose="02040602050305030304" pitchFamily="18" charset="0"/>
-              </a:rPr>
-              <a:t>клас методів та алгоритмів ШІ,</a:t>
-            </a:r>
-            <a:r>
-              <a:rPr lang="de-DE" sz="2800" dirty="0">
-                <a:solidFill>
-                  <a:srgbClr val="002060"/>
-                </a:solidFill>
-                <a:latin typeface="Book Antiqua" panose="02040602050305030304" pitchFamily="18" charset="0"/>
-              </a:rPr>
-              <a:t> </a:t>
-            </a:r>
-            <a:r>
-              <a:rPr lang="uk-UA" sz="2800" dirty="0">
-                <a:solidFill>
-                  <a:srgbClr val="002060"/>
-                </a:solidFill>
-                <a:latin typeface="Book Antiqua" panose="02040602050305030304" pitchFamily="18" charset="0"/>
-              </a:rPr>
-              <a:t>здатних навчатися з даних і узагальнюватися на небачені (невідомі) дані, й відтак виконувати завдання без явних інструкцій.</a:t>
-            </a:r>
-          </a:p>
-          <a:p>
-            <a:pPr marL="0" indent="0">
-              <a:buNone/>
-              <a:defRPr/>
-            </a:pPr>
-            <a:r>
-              <a:rPr lang="uk-UA" sz="2800" b="1" dirty="0">
-                <a:solidFill>
-                  <a:srgbClr val="002060"/>
-                </a:solidFill>
-                <a:latin typeface="Book Antiqua" panose="02040602050305030304" pitchFamily="18" charset="0"/>
-              </a:rPr>
-              <a:t>Характерна риса</a:t>
-            </a:r>
-            <a:r>
-              <a:rPr lang="uk-UA" sz="2800" dirty="0">
-                <a:solidFill>
-                  <a:srgbClr val="002060"/>
-                </a:solidFill>
-                <a:latin typeface="Book Antiqua" panose="02040602050305030304" pitchFamily="18" charset="0"/>
-              </a:rPr>
-              <a:t>  - не пряме розв'язання задачі, а навчання за рахунок застосування рішень безлічі подібних задач.</a:t>
-            </a:r>
-          </a:p>
-          <a:p>
-            <a:pPr marL="0" indent="0">
-              <a:buNone/>
-              <a:defRPr/>
-            </a:pPr>
-            <a:r>
-              <a:rPr lang="uk-UA" sz="2800" dirty="0">
-                <a:solidFill>
-                  <a:srgbClr val="002060"/>
-                </a:solidFill>
-                <a:latin typeface="Book Antiqua" panose="02040602050305030304" pitchFamily="18" charset="0"/>
-              </a:rPr>
-              <a:t>Для побудови таких методів використовуються засоби математичної статистики, чисельних методів, математичного аналізу, методів оптимізації, теорії ймовірностей, теорії графів, різні техніки роботи з даними у цифровій формі.</a:t>
-            </a:r>
-            <a:endParaRPr lang="uk-UA" sz="2800" dirty="0">
-              <a:solidFill>
-                <a:srgbClr val="002060"/>
-              </a:solidFill>
-              <a:latin typeface="Book Antiqua" panose="02040602050305030304" pitchFamily="18" charset="0"/>
-              <a:hlinkClick r:id="rId3">
-                <a:extLst>
-                  <a:ext uri="{A12FA001-AC4F-418D-AE19-62706E023703}">
-                    <ahyp:hlinkClr xmlns:ahyp="http://schemas.microsoft.com/office/drawing/2018/hyperlinkcolor" val="tx"/>
-                  </a:ext>
-                </a:extLst>
-              </a:hlinkClick>
-            </a:endParaRPr>
-          </a:p>
-        </p:txBody>
-      </p:sp>
-      <p:sp>
-        <p:nvSpPr>
-          <p:cNvPr id="5" name="TextShape 1">
-            <a:extLst>
-              <a:ext uri="{FF2B5EF4-FFF2-40B4-BE49-F238E27FC236}">
-                <a16:creationId xmlns:a16="http://schemas.microsoft.com/office/drawing/2014/main" id="{E69E784C-ED28-4A92-8E0C-ED367A7795CF}"/>
-              </a:ext>
-            </a:extLst>
-          </p:cNvPr>
-          <p:cNvSpPr txBox="1"/>
-          <p:nvPr/>
-        </p:nvSpPr>
-        <p:spPr>
-          <a:xfrm>
-            <a:off x="8532440" y="6313439"/>
-            <a:ext cx="442392" cy="457200"/>
-          </a:xfrm>
-          <a:prstGeom prst="rect">
-            <a:avLst/>
-          </a:prstGeom>
-          <a:noFill/>
-          <a:ln>
-            <a:noFill/>
-          </a:ln>
-        </p:spPr>
-        <p:txBody>
-          <a:bodyPr anchor="b"/>
-          <a:lstStyle>
-            <a:lvl1pPr>
-              <a:defRPr>
-                <a:solidFill>
-                  <a:schemeClr val="tx1"/>
-                </a:solidFill>
-                <a:latin typeface="Arial" panose="020B0604020202020204" pitchFamily="34" charset="0"/>
-                <a:cs typeface="DejaVu Sans" panose="020B0603030804020204" pitchFamily="34" charset="0"/>
-              </a:defRPr>
-            </a:lvl1pPr>
-            <a:lvl2pPr marL="742950" indent="-285750">
-              <a:defRPr>
-                <a:solidFill>
-                  <a:schemeClr val="tx1"/>
-                </a:solidFill>
-                <a:latin typeface="Arial" panose="020B0604020202020204" pitchFamily="34" charset="0"/>
-                <a:cs typeface="DejaVu Sans" panose="020B0603030804020204" pitchFamily="34" charset="0"/>
-              </a:defRPr>
-            </a:lvl2pPr>
-            <a:lvl3pPr marL="1143000" indent="-228600">
-              <a:defRPr>
-                <a:solidFill>
-                  <a:schemeClr val="tx1"/>
-                </a:solidFill>
-                <a:latin typeface="Arial" panose="020B0604020202020204" pitchFamily="34" charset="0"/>
-                <a:cs typeface="DejaVu Sans" panose="020B0603030804020204" pitchFamily="34" charset="0"/>
-              </a:defRPr>
-            </a:lvl3pPr>
-            <a:lvl4pPr marL="1600200" indent="-228600">
-              <a:defRPr>
-                <a:solidFill>
-                  <a:schemeClr val="tx1"/>
-                </a:solidFill>
-                <a:latin typeface="Arial" panose="020B0604020202020204" pitchFamily="34" charset="0"/>
-                <a:cs typeface="DejaVu Sans" panose="020B0603030804020204" pitchFamily="34" charset="0"/>
-              </a:defRPr>
-            </a:lvl4pPr>
-            <a:lvl5pPr marL="2057400" indent="-228600">
-              <a:defRPr>
-                <a:solidFill>
-                  <a:schemeClr val="tx1"/>
-                </a:solidFill>
-                <a:latin typeface="Arial" panose="020B0604020202020204" pitchFamily="34" charset="0"/>
-                <a:cs typeface="DejaVu Sans" panose="020B0603030804020204" pitchFamily="34" charset="0"/>
-              </a:defRPr>
-            </a:lvl5pPr>
-            <a:lvl6pPr marL="2514600" indent="-228600" fontAlgn="base">
-              <a:spcBef>
-                <a:spcPct val="0"/>
-              </a:spcBef>
-              <a:spcAft>
-                <a:spcPct val="0"/>
-              </a:spcAft>
-              <a:defRPr>
-                <a:solidFill>
-                  <a:schemeClr val="tx1"/>
-                </a:solidFill>
-                <a:latin typeface="Arial" panose="020B0604020202020204" pitchFamily="34" charset="0"/>
-                <a:cs typeface="DejaVu Sans" panose="020B0603030804020204" pitchFamily="34" charset="0"/>
-              </a:defRPr>
-            </a:lvl6pPr>
-            <a:lvl7pPr marL="2971800" indent="-228600" fontAlgn="base">
-              <a:spcBef>
-                <a:spcPct val="0"/>
-              </a:spcBef>
-              <a:spcAft>
-                <a:spcPct val="0"/>
-              </a:spcAft>
-              <a:defRPr>
-                <a:solidFill>
-                  <a:schemeClr val="tx1"/>
-                </a:solidFill>
-                <a:latin typeface="Arial" panose="020B0604020202020204" pitchFamily="34" charset="0"/>
-                <a:cs typeface="DejaVu Sans" panose="020B0603030804020204" pitchFamily="34" charset="0"/>
-              </a:defRPr>
-            </a:lvl7pPr>
-            <a:lvl8pPr marL="3429000" indent="-228600" fontAlgn="base">
-              <a:spcBef>
-                <a:spcPct val="0"/>
-              </a:spcBef>
-              <a:spcAft>
-                <a:spcPct val="0"/>
-              </a:spcAft>
-              <a:defRPr>
-                <a:solidFill>
-                  <a:schemeClr val="tx1"/>
-                </a:solidFill>
-                <a:latin typeface="Arial" panose="020B0604020202020204" pitchFamily="34" charset="0"/>
-                <a:cs typeface="DejaVu Sans" panose="020B0603030804020204" pitchFamily="34" charset="0"/>
-              </a:defRPr>
-            </a:lvl8pPr>
-            <a:lvl9pPr marL="3886200" indent="-228600" fontAlgn="base">
-              <a:spcBef>
-                <a:spcPct val="0"/>
-              </a:spcBef>
-              <a:spcAft>
-                <a:spcPct val="0"/>
-              </a:spcAft>
-              <a:defRPr>
-                <a:solidFill>
-                  <a:schemeClr val="tx1"/>
-                </a:solidFill>
-                <a:latin typeface="Arial" panose="020B0604020202020204" pitchFamily="34" charset="0"/>
-                <a:cs typeface="DejaVu Sans" panose="020B0603030804020204" pitchFamily="34" charset="0"/>
-              </a:defRPr>
-            </a:lvl9pPr>
-          </a:lstStyle>
-          <a:p>
-            <a:pPr algn="r"/>
-            <a:fld id="{32F61797-D50F-4FE0-AF7F-39CB46C48131}" type="slidenum">
-              <a:rPr lang="uk-UA" altLang="ru-RU" sz="1400" b="1" smtClean="0">
-                <a:solidFill>
-                  <a:srgbClr val="002060"/>
-                </a:solidFill>
-                <a:latin typeface="Tahoma" panose="020B0604030504040204" pitchFamily="34" charset="0"/>
-              </a:rPr>
-              <a:pPr algn="r"/>
-              <a:t>10</a:t>
-            </a:fld>
-            <a:endParaRPr lang="uk-UA" altLang="ru-RU" sz="1400" b="1" dirty="0">
-              <a:solidFill>
-                <a:srgbClr val="002060"/>
-              </a:solidFill>
-              <a:latin typeface="Tahoma" panose="020B0604030504040204" pitchFamily="34" charset="0"/>
-            </a:endParaRPr>
-          </a:p>
-        </p:txBody>
-      </p:sp>
-      <p:sp>
-        <p:nvSpPr>
-          <p:cNvPr id="2" name="TextBox 1">
-            <a:extLst>
-              <a:ext uri="{FF2B5EF4-FFF2-40B4-BE49-F238E27FC236}">
-                <a16:creationId xmlns:a16="http://schemas.microsoft.com/office/drawing/2014/main" id="{F7A625D9-41C0-3D49-97C8-BCDFEC4A08FF}"/>
-              </a:ext>
-            </a:extLst>
-          </p:cNvPr>
-          <p:cNvSpPr txBox="1"/>
-          <p:nvPr/>
-        </p:nvSpPr>
-        <p:spPr>
-          <a:xfrm>
-            <a:off x="107504" y="76200"/>
-            <a:ext cx="8928992" cy="646331"/>
-          </a:xfrm>
-          <a:prstGeom prst="rect">
-            <a:avLst/>
-          </a:prstGeom>
-          <a:noFill/>
-        </p:spPr>
-        <p:txBody>
-          <a:bodyPr wrap="square" rtlCol="0">
-            <a:spAutoFit/>
-          </a:bodyPr>
-          <a:lstStyle/>
-          <a:p>
-            <a:pPr algn="ctr"/>
-            <a:r>
-              <a:rPr lang="uk-UA" altLang="ru-RU" sz="3600" b="1" dirty="0">
-                <a:solidFill>
-                  <a:srgbClr val="002060"/>
-                </a:solidFill>
-                <a:latin typeface="Book Antiqua" panose="02040602050305030304" pitchFamily="18" charset="0"/>
-              </a:rPr>
-              <a:t>Машинне навчання (</a:t>
-            </a:r>
-            <a:r>
-              <a:rPr lang="en-US" altLang="ru-RU" sz="3600" b="1" dirty="0">
-                <a:solidFill>
-                  <a:srgbClr val="002060"/>
-                </a:solidFill>
-                <a:latin typeface="Book Antiqua" panose="02040602050305030304" pitchFamily="18" charset="0"/>
-              </a:rPr>
-              <a:t>ML)</a:t>
-            </a:r>
-            <a:endParaRPr lang="uk-UA" altLang="ru-RU" sz="3600" b="1" dirty="0">
-              <a:solidFill>
-                <a:srgbClr val="002060"/>
-              </a:solidFill>
-              <a:latin typeface="Book Antiqua" panose="02040602050305030304" pitchFamily="18" charset="0"/>
-            </a:endParaRPr>
-          </a:p>
-        </p:txBody>
-      </p:sp>
-    </p:spTree>
-  </p:cSld>
-  <p:clrMapOvr>
-    <a:masterClrMapping/>
-  </p:clrMapOvr>
-</p:sld>
-</file>
-
-<file path=ppt/slides/slide11.xml><?xml version="1.0" encoding="utf-8"?>
 <p:sld xmlns:a="http://schemas.openxmlformats.org/drawingml/2006/main" xmlns:r="http://schemas.openxmlformats.org/officeDocument/2006/relationships" xmlns:p="http://schemas.openxmlformats.org/presentationml/2006/main">
   <p:cSld>
     <p:spTree>
@@ -11289,7 +10729,7 @@
                 <a:latin typeface="Tahoma" panose="020B0604030504040204" pitchFamily="34" charset="0"/>
               </a:rPr>
               <a:pPr algn="r"/>
-              <a:t>11</a:t>
+              <a:t>10</a:t>
             </a:fld>
             <a:endParaRPr lang="uk-UA" altLang="ru-RU" sz="1400" b="1" dirty="0">
               <a:solidFill>
@@ -11871,7 +11311,7 @@
 </p:sld>
 </file>
 
-<file path=ppt/slides/slide12.xml><?xml version="1.0" encoding="utf-8"?>
+<file path=ppt/slides/slide11.xml><?xml version="1.0" encoding="utf-8"?>
 <p:sld xmlns:a="http://schemas.openxmlformats.org/drawingml/2006/main" xmlns:r="http://schemas.openxmlformats.org/officeDocument/2006/relationships" xmlns:p="http://schemas.openxmlformats.org/presentationml/2006/main">
   <p:cSld>
     <p:spTree>
@@ -12423,7 +11863,7 @@
                 <a:latin typeface="Tahoma" panose="020B0604030504040204" pitchFamily="34" charset="0"/>
               </a:rPr>
               <a:pPr algn="r"/>
-              <a:t>12</a:t>
+              <a:t>11</a:t>
             </a:fld>
             <a:endParaRPr lang="uk-UA" altLang="ru-RU" sz="1400" b="1" dirty="0">
               <a:solidFill>
@@ -12447,7 +11887,7 @@
 </p:sld>
 </file>
 
-<file path=ppt/slides/slide13.xml><?xml version="1.0" encoding="utf-8"?>
+<file path=ppt/slides/slide12.xml><?xml version="1.0" encoding="utf-8"?>
 <p:sld xmlns:a="http://schemas.openxmlformats.org/drawingml/2006/main" xmlns:r="http://schemas.openxmlformats.org/officeDocument/2006/relationships" xmlns:p="http://schemas.openxmlformats.org/presentationml/2006/main">
   <p:cSld>
     <p:spTree>
@@ -12787,7 +12227,7 @@
                 <a:latin typeface="Tahoma" panose="020B0604030504040204" pitchFamily="34" charset="0"/>
               </a:rPr>
               <a:pPr algn="r"/>
-              <a:t>13</a:t>
+              <a:t>12</a:t>
             </a:fld>
             <a:endParaRPr lang="uk-UA" altLang="ru-RU" sz="1400" b="1" dirty="0">
               <a:solidFill>
@@ -12811,7 +12251,7 @@
 </p:sld>
 </file>
 
-<file path=ppt/slides/slide14.xml><?xml version="1.0" encoding="utf-8"?>
+<file path=ppt/slides/slide13.xml><?xml version="1.0" encoding="utf-8"?>
 <p:sld xmlns:a="http://schemas.openxmlformats.org/drawingml/2006/main" xmlns:r="http://schemas.openxmlformats.org/officeDocument/2006/relationships" xmlns:p="http://schemas.openxmlformats.org/presentationml/2006/main">
   <p:cSld>
     <p:spTree>
@@ -13169,7 +12609,7 @@
                 <a:latin typeface="Tahoma" panose="020B0604030504040204" pitchFamily="34" charset="0"/>
               </a:rPr>
               <a:pPr algn="r"/>
-              <a:t>14</a:t>
+              <a:t>13</a:t>
             </a:fld>
             <a:endParaRPr lang="uk-UA" altLang="ru-RU" sz="1400" b="1" dirty="0">
               <a:solidFill>
@@ -13193,7 +12633,7 @@
 </p:sld>
 </file>
 
-<file path=ppt/slides/slide15.xml><?xml version="1.0" encoding="utf-8"?>
+<file path=ppt/slides/slide14.xml><?xml version="1.0" encoding="utf-8"?>
 <p:sld xmlns:a="http://schemas.openxmlformats.org/drawingml/2006/main" xmlns:r="http://schemas.openxmlformats.org/officeDocument/2006/relationships" xmlns:p="http://schemas.openxmlformats.org/presentationml/2006/main">
   <p:cSld>
     <p:spTree>
@@ -13490,7 +12930,7 @@
                 <a:latin typeface="Tahoma" panose="020B0604030504040204" pitchFamily="34" charset="0"/>
               </a:rPr>
               <a:pPr algn="r"/>
-              <a:t>15</a:t>
+              <a:t>14</a:t>
             </a:fld>
             <a:endParaRPr lang="uk-UA" altLang="ru-RU" sz="1400" b="1" dirty="0">
               <a:solidFill>
@@ -13574,7 +13014,7 @@
 </p:sld>
 </file>
 
-<file path=ppt/slides/slide16.xml><?xml version="1.0" encoding="utf-8"?>
+<file path=ppt/slides/slide15.xml><?xml version="1.0" encoding="utf-8"?>
 <p:sld xmlns:a="http://schemas.openxmlformats.org/drawingml/2006/main" xmlns:r="http://schemas.openxmlformats.org/officeDocument/2006/relationships" xmlns:p="http://schemas.openxmlformats.org/presentationml/2006/main">
   <p:cSld>
     <p:spTree>
@@ -13916,7 +13356,7 @@
                 <a:latin typeface="Tahoma" panose="020B0604030504040204" pitchFamily="34" charset="0"/>
               </a:rPr>
               <a:pPr algn="r"/>
-              <a:t>16</a:t>
+              <a:t>15</a:t>
             </a:fld>
             <a:endParaRPr lang="uk-UA" altLang="ru-RU" sz="1400" b="1" dirty="0">
               <a:solidFill>
@@ -13940,7 +13380,7 @@
 </p:sld>
 </file>
 
-<file path=ppt/slides/slide17.xml><?xml version="1.0" encoding="utf-8"?>
+<file path=ppt/slides/slide16.xml><?xml version="1.0" encoding="utf-8"?>
 <p:sld xmlns:a="http://schemas.openxmlformats.org/drawingml/2006/main" xmlns:r="http://schemas.openxmlformats.org/officeDocument/2006/relationships" xmlns:p="http://schemas.openxmlformats.org/presentationml/2006/main">
   <p:cSld>
     <p:spTree>
@@ -14240,7 +13680,7 @@
                 <a:latin typeface="Tahoma" panose="020B0604030504040204" pitchFamily="34" charset="0"/>
               </a:rPr>
               <a:pPr algn="r"/>
-              <a:t>17</a:t>
+              <a:t>16</a:t>
             </a:fld>
             <a:endParaRPr lang="uk-UA" altLang="ru-RU" sz="1400" b="1" dirty="0">
               <a:solidFill>
@@ -14294,7 +13734,7 @@
 </p:sld>
 </file>
 
-<file path=ppt/slides/slide18.xml><?xml version="1.0" encoding="utf-8"?>
+<file path=ppt/slides/slide17.xml><?xml version="1.0" encoding="utf-8"?>
 <p:sld xmlns:a="http://schemas.openxmlformats.org/drawingml/2006/main" xmlns:r="http://schemas.openxmlformats.org/officeDocument/2006/relationships" xmlns:p="http://schemas.openxmlformats.org/presentationml/2006/main">
   <p:cSld>
     <p:spTree>
@@ -14587,7 +14027,7 @@
                 <a:latin typeface="Tahoma" panose="020B0604030504040204" pitchFamily="34" charset="0"/>
               </a:rPr>
               <a:pPr algn="r"/>
-              <a:t>18</a:t>
+              <a:t>17</a:t>
             </a:fld>
             <a:endParaRPr lang="uk-UA" altLang="ru-RU" sz="1400" b="1" dirty="0">
               <a:solidFill>
@@ -14671,7 +14111,7 @@
 </p:sld>
 </file>
 
-<file path=ppt/slides/slide19.xml><?xml version="1.0" encoding="utf-8"?>
+<file path=ppt/slides/slide18.xml><?xml version="1.0" encoding="utf-8"?>
 <p:sld xmlns:a="http://schemas.openxmlformats.org/drawingml/2006/main" xmlns:r="http://schemas.openxmlformats.org/officeDocument/2006/relationships" xmlns:p="http://schemas.openxmlformats.org/presentationml/2006/main">
   <p:cSld>
     <p:spTree>
@@ -14993,7 +14433,7 @@
                 <a:latin typeface="Tahoma" panose="020B0604030504040204" pitchFamily="34" charset="0"/>
               </a:rPr>
               <a:pPr algn="r"/>
-              <a:t>19</a:t>
+              <a:t>18</a:t>
             </a:fld>
             <a:endParaRPr lang="uk-UA" altLang="ru-RU" sz="1400" b="1" dirty="0">
               <a:solidFill>
@@ -15130,450 +14570,7 @@
 </p:sld>
 </file>
 
-<file path=ppt/slides/slide2.xml><?xml version="1.0" encoding="utf-8"?>
-<p:sld xmlns:a="http://schemas.openxmlformats.org/drawingml/2006/main" xmlns:r="http://schemas.openxmlformats.org/officeDocument/2006/relationships" xmlns:p="http://schemas.openxmlformats.org/presentationml/2006/main">
-  <p:cSld>
-    <p:spTree>
-      <p:nvGrpSpPr>
-        <p:cNvPr id="1" name=""/>
-        <p:cNvGrpSpPr/>
-        <p:nvPr/>
-      </p:nvGrpSpPr>
-      <p:grpSpPr>
-        <a:xfrm>
-          <a:off x="0" y="0"/>
-          <a:ext cx="0" cy="0"/>
-          <a:chOff x="0" y="0"/>
-          <a:chExt cx="0" cy="0"/>
-        </a:xfrm>
-      </p:grpSpPr>
-      <p:sp>
-        <p:nvSpPr>
-          <p:cNvPr id="6146" name="Rectangle 3"/>
-          <p:cNvSpPr>
-            <a:spLocks noGrp="1" noChangeArrowheads="1"/>
-          </p:cNvSpPr>
-          <p:nvPr>
-            <p:ph type="body" idx="4294967295"/>
-          </p:nvPr>
-        </p:nvSpPr>
-        <p:spPr>
-          <a:xfrm>
-            <a:off x="611560" y="2420888"/>
-            <a:ext cx="8075240" cy="535531"/>
-          </a:xfrm>
-        </p:spPr>
-        <p:txBody>
-          <a:bodyPr>
-            <a:spAutoFit/>
-          </a:bodyPr>
-          <a:lstStyle/>
-          <a:p>
-            <a:pPr algn="ctr" eaLnBrk="1" hangingPunct="1">
-              <a:buFontTx/>
-              <a:buNone/>
-              <a:defRPr/>
-            </a:pPr>
-            <a:r>
-              <a:rPr lang="uk-UA" sz="3200" b="1" cap="all" dirty="0">
-                <a:solidFill>
-                  <a:srgbClr val="002060"/>
-                </a:solidFill>
-                <a:latin typeface="Book Antiqua" panose="02040602050305030304" pitchFamily="18" charset="0"/>
-                <a:cs typeface="Times New Roman" panose="02020603050405020304" pitchFamily="18" charset="0"/>
-              </a:rPr>
-              <a:t>МАШИННЕ НАВЧАННЯ</a:t>
-            </a:r>
-            <a:endParaRPr lang="ru-RU" altLang="ru-RU" sz="3200" b="1" cap="all" dirty="0">
-              <a:solidFill>
-                <a:srgbClr val="002060"/>
-              </a:solidFill>
-              <a:latin typeface="Book Antiqua" panose="02040602050305030304" pitchFamily="18" charset="0"/>
-              <a:cs typeface="Times New Roman" panose="02020603050405020304" pitchFamily="18" charset="0"/>
-            </a:endParaRPr>
-          </a:p>
-        </p:txBody>
-      </p:sp>
-      <p:sp>
-        <p:nvSpPr>
-          <p:cNvPr id="4" name="TextBox 3">
-            <a:extLst>
-              <a:ext uri="{FF2B5EF4-FFF2-40B4-BE49-F238E27FC236}">
-                <a16:creationId xmlns:a16="http://schemas.microsoft.com/office/drawing/2014/main" id="{D36B637B-5354-4EE3-9424-3161CDB8F938}"/>
-              </a:ext>
-            </a:extLst>
-          </p:cNvPr>
-          <p:cNvSpPr txBox="1">
-            <a:spLocks noChangeArrowheads="1"/>
-          </p:cNvSpPr>
-          <p:nvPr/>
-        </p:nvSpPr>
-        <p:spPr bwMode="auto">
-          <a:xfrm>
-            <a:off x="250825" y="6308725"/>
-            <a:ext cx="1455848" cy="369332"/>
-          </a:xfrm>
-          <a:prstGeom prst="rect">
-            <a:avLst/>
-          </a:prstGeom>
-          <a:noFill/>
-          <a:ln>
-            <a:noFill/>
-          </a:ln>
-          <a:extLst>
-            <a:ext uri="{909E8E84-426E-40DD-AFC4-6F175D3DCCD1}">
-              <a14:hiddenFill xmlns:a14="http://schemas.microsoft.com/office/drawing/2010/main">
-                <a:solidFill>
-                  <a:srgbClr val="FFFFFF"/>
-                </a:solidFill>
-              </a14:hiddenFill>
-            </a:ext>
-            <a:ext uri="{91240B29-F687-4F45-9708-019B960494DF}">
-              <a14:hiddenLine xmlns:a14="http://schemas.microsoft.com/office/drawing/2010/main" w="9525">
-                <a:solidFill>
-                  <a:srgbClr val="000000"/>
-                </a:solidFill>
-                <a:miter lim="800000"/>
-                <a:headEnd/>
-                <a:tailEnd/>
-              </a14:hiddenLine>
-            </a:ext>
-          </a:extLst>
-        </p:spPr>
-        <p:txBody>
-          <a:bodyPr wrap="none">
-            <a:spAutoFit/>
-          </a:bodyPr>
-          <a:lstStyle>
-            <a:lvl1pPr>
-              <a:spcBef>
-                <a:spcPct val="20000"/>
-              </a:spcBef>
-              <a:buChar char="•"/>
-              <a:defRPr sz="3200">
-                <a:solidFill>
-                  <a:schemeClr val="tx1"/>
-                </a:solidFill>
-                <a:latin typeface="Arial" panose="020B0604020202020204" pitchFamily="34" charset="0"/>
-              </a:defRPr>
-            </a:lvl1pPr>
-            <a:lvl2pPr marL="742950" indent="-285750">
-              <a:spcBef>
-                <a:spcPct val="20000"/>
-              </a:spcBef>
-              <a:buChar char="–"/>
-              <a:defRPr sz="2800">
-                <a:solidFill>
-                  <a:schemeClr val="tx1"/>
-                </a:solidFill>
-                <a:latin typeface="Arial" panose="020B0604020202020204" pitchFamily="34" charset="0"/>
-              </a:defRPr>
-            </a:lvl2pPr>
-            <a:lvl3pPr marL="1143000" indent="-228600">
-              <a:spcBef>
-                <a:spcPct val="20000"/>
-              </a:spcBef>
-              <a:buChar char="•"/>
-              <a:defRPr sz="2400">
-                <a:solidFill>
-                  <a:schemeClr val="tx1"/>
-                </a:solidFill>
-                <a:latin typeface="Arial" panose="020B0604020202020204" pitchFamily="34" charset="0"/>
-              </a:defRPr>
-            </a:lvl3pPr>
-            <a:lvl4pPr marL="1600200" indent="-228600">
-              <a:spcBef>
-                <a:spcPct val="20000"/>
-              </a:spcBef>
-              <a:buChar char="–"/>
-              <a:defRPr sz="2000">
-                <a:solidFill>
-                  <a:schemeClr val="tx1"/>
-                </a:solidFill>
-                <a:latin typeface="Arial" panose="020B0604020202020204" pitchFamily="34" charset="0"/>
-              </a:defRPr>
-            </a:lvl4pPr>
-            <a:lvl5pPr marL="2057400" indent="-228600">
-              <a:spcBef>
-                <a:spcPct val="20000"/>
-              </a:spcBef>
-              <a:buChar char="»"/>
-              <a:defRPr sz="2000">
-                <a:solidFill>
-                  <a:schemeClr val="tx1"/>
-                </a:solidFill>
-                <a:latin typeface="Arial" panose="020B0604020202020204" pitchFamily="34" charset="0"/>
-              </a:defRPr>
-            </a:lvl5pPr>
-            <a:lvl6pPr marL="2514600" indent="-228600" eaLnBrk="0" fontAlgn="base" hangingPunct="0">
-              <a:spcBef>
-                <a:spcPct val="20000"/>
-              </a:spcBef>
-              <a:spcAft>
-                <a:spcPct val="0"/>
-              </a:spcAft>
-              <a:buChar char="»"/>
-              <a:defRPr sz="2000">
-                <a:solidFill>
-                  <a:schemeClr val="tx1"/>
-                </a:solidFill>
-                <a:latin typeface="Arial" panose="020B0604020202020204" pitchFamily="34" charset="0"/>
-              </a:defRPr>
-            </a:lvl6pPr>
-            <a:lvl7pPr marL="2971800" indent="-228600" eaLnBrk="0" fontAlgn="base" hangingPunct="0">
-              <a:spcBef>
-                <a:spcPct val="20000"/>
-              </a:spcBef>
-              <a:spcAft>
-                <a:spcPct val="0"/>
-              </a:spcAft>
-              <a:buChar char="»"/>
-              <a:defRPr sz="2000">
-                <a:solidFill>
-                  <a:schemeClr val="tx1"/>
-                </a:solidFill>
-                <a:latin typeface="Arial" panose="020B0604020202020204" pitchFamily="34" charset="0"/>
-              </a:defRPr>
-            </a:lvl7pPr>
-            <a:lvl8pPr marL="3429000" indent="-228600" eaLnBrk="0" fontAlgn="base" hangingPunct="0">
-              <a:spcBef>
-                <a:spcPct val="20000"/>
-              </a:spcBef>
-              <a:spcAft>
-                <a:spcPct val="0"/>
-              </a:spcAft>
-              <a:buChar char="»"/>
-              <a:defRPr sz="2000">
-                <a:solidFill>
-                  <a:schemeClr val="tx1"/>
-                </a:solidFill>
-                <a:latin typeface="Arial" panose="020B0604020202020204" pitchFamily="34" charset="0"/>
-              </a:defRPr>
-            </a:lvl8pPr>
-            <a:lvl9pPr marL="3886200" indent="-228600" eaLnBrk="0" fontAlgn="base" hangingPunct="0">
-              <a:spcBef>
-                <a:spcPct val="20000"/>
-              </a:spcBef>
-              <a:spcAft>
-                <a:spcPct val="0"/>
-              </a:spcAft>
-              <a:buChar char="»"/>
-              <a:defRPr sz="2000">
-                <a:solidFill>
-                  <a:schemeClr val="tx1"/>
-                </a:solidFill>
-                <a:latin typeface="Arial" panose="020B0604020202020204" pitchFamily="34" charset="0"/>
-              </a:defRPr>
-            </a:lvl9pPr>
-          </a:lstStyle>
-          <a:p>
-            <a:pPr eaLnBrk="1" hangingPunct="1">
-              <a:spcBef>
-                <a:spcPct val="0"/>
-              </a:spcBef>
-              <a:buFontTx/>
-              <a:buNone/>
-            </a:pPr>
-            <a:r>
-              <a:rPr lang="ru-RU" altLang="ru-RU" sz="1800" b="1" dirty="0">
-                <a:solidFill>
-                  <a:srgbClr val="002060"/>
-                </a:solidFill>
-                <a:latin typeface="Times New Roman" panose="02020603050405020304" pitchFamily="18" charset="0"/>
-              </a:rPr>
-              <a:t>Лек. 2   </a:t>
-            </a:r>
-            <a:r>
-              <a:rPr lang="en-US" altLang="ru-RU" sz="1800" b="1" dirty="0">
-                <a:solidFill>
-                  <a:srgbClr val="002060"/>
-                </a:solidFill>
-                <a:latin typeface="Times New Roman" panose="02020603050405020304" pitchFamily="18" charset="0"/>
-              </a:rPr>
-              <a:t>202</a:t>
-            </a:r>
-            <a:r>
-              <a:rPr lang="uk-UA" altLang="ru-RU" sz="1800" b="1" dirty="0">
-                <a:solidFill>
-                  <a:srgbClr val="002060"/>
-                </a:solidFill>
-                <a:latin typeface="Times New Roman" panose="02020603050405020304" pitchFamily="18" charset="0"/>
-              </a:rPr>
-              <a:t>4</a:t>
-            </a:r>
-            <a:endParaRPr lang="ru-RU" altLang="ru-RU" sz="1800" b="1" dirty="0">
-              <a:solidFill>
-                <a:srgbClr val="002060"/>
-              </a:solidFill>
-              <a:latin typeface="Times New Roman" panose="02020603050405020304" pitchFamily="18" charset="0"/>
-            </a:endParaRPr>
-          </a:p>
-        </p:txBody>
-      </p:sp>
-      <p:sp>
-        <p:nvSpPr>
-          <p:cNvPr id="5" name="TextShape 1">
-            <a:extLst>
-              <a:ext uri="{FF2B5EF4-FFF2-40B4-BE49-F238E27FC236}">
-                <a16:creationId xmlns:a16="http://schemas.microsoft.com/office/drawing/2014/main" id="{F3CDA3F9-F650-40E7-B5A4-0AFE2B0C7796}"/>
-              </a:ext>
-            </a:extLst>
-          </p:cNvPr>
-          <p:cNvSpPr txBox="1"/>
-          <p:nvPr/>
-        </p:nvSpPr>
-        <p:spPr>
-          <a:xfrm>
-            <a:off x="8532440" y="6313439"/>
-            <a:ext cx="442392" cy="457200"/>
-          </a:xfrm>
-          <a:prstGeom prst="rect">
-            <a:avLst/>
-          </a:prstGeom>
-          <a:noFill/>
-          <a:ln>
-            <a:noFill/>
-          </a:ln>
-        </p:spPr>
-        <p:txBody>
-          <a:bodyPr anchor="b"/>
-          <a:lstStyle>
-            <a:lvl1pPr>
-              <a:defRPr>
-                <a:solidFill>
-                  <a:schemeClr val="tx1"/>
-                </a:solidFill>
-                <a:latin typeface="Arial" panose="020B0604020202020204" pitchFamily="34" charset="0"/>
-                <a:cs typeface="DejaVu Sans" panose="020B0603030804020204" pitchFamily="34" charset="0"/>
-              </a:defRPr>
-            </a:lvl1pPr>
-            <a:lvl2pPr marL="742950" indent="-285750">
-              <a:defRPr>
-                <a:solidFill>
-                  <a:schemeClr val="tx1"/>
-                </a:solidFill>
-                <a:latin typeface="Arial" panose="020B0604020202020204" pitchFamily="34" charset="0"/>
-                <a:cs typeface="DejaVu Sans" panose="020B0603030804020204" pitchFamily="34" charset="0"/>
-              </a:defRPr>
-            </a:lvl2pPr>
-            <a:lvl3pPr marL="1143000" indent="-228600">
-              <a:defRPr>
-                <a:solidFill>
-                  <a:schemeClr val="tx1"/>
-                </a:solidFill>
-                <a:latin typeface="Arial" panose="020B0604020202020204" pitchFamily="34" charset="0"/>
-                <a:cs typeface="DejaVu Sans" panose="020B0603030804020204" pitchFamily="34" charset="0"/>
-              </a:defRPr>
-            </a:lvl3pPr>
-            <a:lvl4pPr marL="1600200" indent="-228600">
-              <a:defRPr>
-                <a:solidFill>
-                  <a:schemeClr val="tx1"/>
-                </a:solidFill>
-                <a:latin typeface="Arial" panose="020B0604020202020204" pitchFamily="34" charset="0"/>
-                <a:cs typeface="DejaVu Sans" panose="020B0603030804020204" pitchFamily="34" charset="0"/>
-              </a:defRPr>
-            </a:lvl4pPr>
-            <a:lvl5pPr marL="2057400" indent="-228600">
-              <a:defRPr>
-                <a:solidFill>
-                  <a:schemeClr val="tx1"/>
-                </a:solidFill>
-                <a:latin typeface="Arial" panose="020B0604020202020204" pitchFamily="34" charset="0"/>
-                <a:cs typeface="DejaVu Sans" panose="020B0603030804020204" pitchFamily="34" charset="0"/>
-              </a:defRPr>
-            </a:lvl5pPr>
-            <a:lvl6pPr marL="2514600" indent="-228600" fontAlgn="base">
-              <a:spcBef>
-                <a:spcPct val="0"/>
-              </a:spcBef>
-              <a:spcAft>
-                <a:spcPct val="0"/>
-              </a:spcAft>
-              <a:defRPr>
-                <a:solidFill>
-                  <a:schemeClr val="tx1"/>
-                </a:solidFill>
-                <a:latin typeface="Arial" panose="020B0604020202020204" pitchFamily="34" charset="0"/>
-                <a:cs typeface="DejaVu Sans" panose="020B0603030804020204" pitchFamily="34" charset="0"/>
-              </a:defRPr>
-            </a:lvl6pPr>
-            <a:lvl7pPr marL="2971800" indent="-228600" fontAlgn="base">
-              <a:spcBef>
-                <a:spcPct val="0"/>
-              </a:spcBef>
-              <a:spcAft>
-                <a:spcPct val="0"/>
-              </a:spcAft>
-              <a:defRPr>
-                <a:solidFill>
-                  <a:schemeClr val="tx1"/>
-                </a:solidFill>
-                <a:latin typeface="Arial" panose="020B0604020202020204" pitchFamily="34" charset="0"/>
-                <a:cs typeface="DejaVu Sans" panose="020B0603030804020204" pitchFamily="34" charset="0"/>
-              </a:defRPr>
-            </a:lvl7pPr>
-            <a:lvl8pPr marL="3429000" indent="-228600" fontAlgn="base">
-              <a:spcBef>
-                <a:spcPct val="0"/>
-              </a:spcBef>
-              <a:spcAft>
-                <a:spcPct val="0"/>
-              </a:spcAft>
-              <a:defRPr>
-                <a:solidFill>
-                  <a:schemeClr val="tx1"/>
-                </a:solidFill>
-                <a:latin typeface="Arial" panose="020B0604020202020204" pitchFamily="34" charset="0"/>
-                <a:cs typeface="DejaVu Sans" panose="020B0603030804020204" pitchFamily="34" charset="0"/>
-              </a:defRPr>
-            </a:lvl8pPr>
-            <a:lvl9pPr marL="3886200" indent="-228600" fontAlgn="base">
-              <a:spcBef>
-                <a:spcPct val="0"/>
-              </a:spcBef>
-              <a:spcAft>
-                <a:spcPct val="0"/>
-              </a:spcAft>
-              <a:defRPr>
-                <a:solidFill>
-                  <a:schemeClr val="tx1"/>
-                </a:solidFill>
-                <a:latin typeface="Arial" panose="020B0604020202020204" pitchFamily="34" charset="0"/>
-                <a:cs typeface="DejaVu Sans" panose="020B0603030804020204" pitchFamily="34" charset="0"/>
-              </a:defRPr>
-            </a:lvl9pPr>
-          </a:lstStyle>
-          <a:p>
-            <a:pPr algn="r"/>
-            <a:fld id="{32F61797-D50F-4FE0-AF7F-39CB46C48131}" type="slidenum">
-              <a:rPr lang="uk-UA" altLang="ru-RU" sz="1400" b="1">
-                <a:solidFill>
-                  <a:srgbClr val="002060"/>
-                </a:solidFill>
-                <a:latin typeface="Tahoma" panose="020B0604030504040204" pitchFamily="34" charset="0"/>
-              </a:rPr>
-              <a:pPr algn="r"/>
-              <a:t>2</a:t>
-            </a:fld>
-            <a:endParaRPr lang="uk-UA" altLang="ru-RU" sz="1400" b="1" dirty="0">
-              <a:solidFill>
-                <a:srgbClr val="002060"/>
-              </a:solidFill>
-              <a:latin typeface="Times New Roman" panose="02020603050405020304" pitchFamily="18" charset="0"/>
-            </a:endParaRPr>
-          </a:p>
-        </p:txBody>
-      </p:sp>
-    </p:spTree>
-  </p:cSld>
-  <p:clrMapOvr>
-    <a:masterClrMapping/>
-  </p:clrMapOvr>
-</p:sld>
-</file>
-
-<file path=ppt/slides/slide20.xml><?xml version="1.0" encoding="utf-8"?>
+<file path=ppt/slides/slide19.xml><?xml version="1.0" encoding="utf-8"?>
 <p:sld xmlns:a="http://schemas.openxmlformats.org/drawingml/2006/main" xmlns:r="http://schemas.openxmlformats.org/officeDocument/2006/relationships" xmlns:p="http://schemas.openxmlformats.org/presentationml/2006/main">
   <p:cSld>
     <p:spTree>
@@ -15850,7 +14847,7 @@
                 <a:latin typeface="Tahoma" panose="020B0604030504040204" pitchFamily="34" charset="0"/>
               </a:rPr>
               <a:pPr algn="r"/>
-              <a:t>20</a:t>
+              <a:t>19</a:t>
             </a:fld>
             <a:endParaRPr lang="uk-UA" altLang="ru-RU" sz="1400" b="1" dirty="0">
               <a:solidFill>
@@ -16467,7 +15464,995 @@
 </p:sld>
 </file>
 
-<file path=ppt/slides/slide21.xml><?xml version="1.0" encoding="utf-8"?>
+<file path=ppt/slides/slide2.xml><?xml version="1.0" encoding="utf-8"?>
+<p:sld xmlns:a="http://schemas.openxmlformats.org/drawingml/2006/main" xmlns:r="http://schemas.openxmlformats.org/officeDocument/2006/relationships" xmlns:p="http://schemas.openxmlformats.org/presentationml/2006/main">
+  <p:cSld>
+    <p:spTree>
+      <p:nvGrpSpPr>
+        <p:cNvPr id="1" name=""/>
+        <p:cNvGrpSpPr/>
+        <p:nvPr/>
+      </p:nvGrpSpPr>
+      <p:grpSpPr>
+        <a:xfrm>
+          <a:off x="0" y="0"/>
+          <a:ext cx="0" cy="0"/>
+          <a:chOff x="0" y="0"/>
+          <a:chExt cx="0" cy="0"/>
+        </a:xfrm>
+      </p:grpSpPr>
+      <p:sp>
+        <p:nvSpPr>
+          <p:cNvPr id="4" name="Rectangle 3">
+            <a:extLst>
+              <a:ext uri="{FF2B5EF4-FFF2-40B4-BE49-F238E27FC236}">
+                <a16:creationId xmlns:a16="http://schemas.microsoft.com/office/drawing/2014/main" id="{DE2D3578-5540-41FF-B0DB-3125BDD3DDB2}"/>
+              </a:ext>
+            </a:extLst>
+          </p:cNvPr>
+          <p:cNvSpPr txBox="1">
+            <a:spLocks noChangeArrowheads="1"/>
+          </p:cNvSpPr>
+          <p:nvPr/>
+        </p:nvSpPr>
+        <p:spPr>
+          <a:xfrm>
+            <a:off x="4283968" y="329641"/>
+            <a:ext cx="4860032" cy="1644040"/>
+          </a:xfrm>
+          <a:prstGeom prst="rect">
+            <a:avLst/>
+          </a:prstGeom>
+        </p:spPr>
+        <p:txBody>
+          <a:bodyPr vert="horz" wrap="square" lIns="91440" tIns="45720" rIns="91440" bIns="45720" rtlCol="0">
+            <a:spAutoFit/>
+          </a:bodyPr>
+          <a:lstStyle>
+            <a:lvl1pPr marL="171450" indent="-171450" algn="l" defTabSz="685800" rtl="0" eaLnBrk="1" latinLnBrk="0" hangingPunct="1">
+              <a:lnSpc>
+                <a:spcPct val="90000"/>
+              </a:lnSpc>
+              <a:spcBef>
+                <a:spcPts val="750"/>
+              </a:spcBef>
+              <a:buFont typeface="Arial" panose="020B0604020202020204" pitchFamily="34" charset="0"/>
+              <a:buChar char="•"/>
+              <a:defRPr sz="2100" kern="1200">
+                <a:solidFill>
+                  <a:schemeClr val="tx1"/>
+                </a:solidFill>
+                <a:latin typeface="+mn-lt"/>
+                <a:ea typeface="+mn-ea"/>
+                <a:cs typeface="+mn-cs"/>
+              </a:defRPr>
+            </a:lvl1pPr>
+            <a:lvl2pPr marL="514350" indent="-171450" algn="l" defTabSz="685800" rtl="0" eaLnBrk="1" latinLnBrk="0" hangingPunct="1">
+              <a:lnSpc>
+                <a:spcPct val="90000"/>
+              </a:lnSpc>
+              <a:spcBef>
+                <a:spcPts val="375"/>
+              </a:spcBef>
+              <a:buFont typeface="Arial" panose="020B0604020202020204" pitchFamily="34" charset="0"/>
+              <a:buChar char="•"/>
+              <a:defRPr sz="1800" kern="1200">
+                <a:solidFill>
+                  <a:schemeClr val="tx1"/>
+                </a:solidFill>
+                <a:latin typeface="+mn-lt"/>
+                <a:ea typeface="+mn-ea"/>
+                <a:cs typeface="+mn-cs"/>
+              </a:defRPr>
+            </a:lvl2pPr>
+            <a:lvl3pPr marL="857250" indent="-171450" algn="l" defTabSz="685800" rtl="0" eaLnBrk="1" latinLnBrk="0" hangingPunct="1">
+              <a:lnSpc>
+                <a:spcPct val="90000"/>
+              </a:lnSpc>
+              <a:spcBef>
+                <a:spcPts val="375"/>
+              </a:spcBef>
+              <a:buFont typeface="Arial" panose="020B0604020202020204" pitchFamily="34" charset="0"/>
+              <a:buChar char="•"/>
+              <a:defRPr sz="1500" kern="1200">
+                <a:solidFill>
+                  <a:schemeClr val="tx1"/>
+                </a:solidFill>
+                <a:latin typeface="+mn-lt"/>
+                <a:ea typeface="+mn-ea"/>
+                <a:cs typeface="+mn-cs"/>
+              </a:defRPr>
+            </a:lvl3pPr>
+            <a:lvl4pPr marL="1200150" indent="-171450" algn="l" defTabSz="685800" rtl="0" eaLnBrk="1" latinLnBrk="0" hangingPunct="1">
+              <a:lnSpc>
+                <a:spcPct val="90000"/>
+              </a:lnSpc>
+              <a:spcBef>
+                <a:spcPts val="375"/>
+              </a:spcBef>
+              <a:buFont typeface="Arial" panose="020B0604020202020204" pitchFamily="34" charset="0"/>
+              <a:buChar char="•"/>
+              <a:defRPr sz="1350" kern="1200">
+                <a:solidFill>
+                  <a:schemeClr val="tx1"/>
+                </a:solidFill>
+                <a:latin typeface="+mn-lt"/>
+                <a:ea typeface="+mn-ea"/>
+                <a:cs typeface="+mn-cs"/>
+              </a:defRPr>
+            </a:lvl4pPr>
+            <a:lvl5pPr marL="1543050" indent="-171450" algn="l" defTabSz="685800" rtl="0" eaLnBrk="1" latinLnBrk="0" hangingPunct="1">
+              <a:lnSpc>
+                <a:spcPct val="90000"/>
+              </a:lnSpc>
+              <a:spcBef>
+                <a:spcPts val="375"/>
+              </a:spcBef>
+              <a:buFont typeface="Arial" panose="020B0604020202020204" pitchFamily="34" charset="0"/>
+              <a:buChar char="•"/>
+              <a:defRPr sz="1350" kern="1200">
+                <a:solidFill>
+                  <a:schemeClr val="tx1"/>
+                </a:solidFill>
+                <a:latin typeface="+mn-lt"/>
+                <a:ea typeface="+mn-ea"/>
+                <a:cs typeface="+mn-cs"/>
+              </a:defRPr>
+            </a:lvl5pPr>
+            <a:lvl6pPr marL="1885950" indent="-171450" algn="l" defTabSz="685800" rtl="0" eaLnBrk="1" latinLnBrk="0" hangingPunct="1">
+              <a:lnSpc>
+                <a:spcPct val="90000"/>
+              </a:lnSpc>
+              <a:spcBef>
+                <a:spcPts val="375"/>
+              </a:spcBef>
+              <a:buFont typeface="Arial" panose="020B0604020202020204" pitchFamily="34" charset="0"/>
+              <a:buChar char="•"/>
+              <a:defRPr sz="1350" kern="1200">
+                <a:solidFill>
+                  <a:schemeClr val="tx1"/>
+                </a:solidFill>
+                <a:latin typeface="+mn-lt"/>
+                <a:ea typeface="+mn-ea"/>
+                <a:cs typeface="+mn-cs"/>
+              </a:defRPr>
+            </a:lvl6pPr>
+            <a:lvl7pPr marL="2228850" indent="-171450" algn="l" defTabSz="685800" rtl="0" eaLnBrk="1" latinLnBrk="0" hangingPunct="1">
+              <a:lnSpc>
+                <a:spcPct val="90000"/>
+              </a:lnSpc>
+              <a:spcBef>
+                <a:spcPts val="375"/>
+              </a:spcBef>
+              <a:buFont typeface="Arial" panose="020B0604020202020204" pitchFamily="34" charset="0"/>
+              <a:buChar char="•"/>
+              <a:defRPr sz="1350" kern="1200">
+                <a:solidFill>
+                  <a:schemeClr val="tx1"/>
+                </a:solidFill>
+                <a:latin typeface="+mn-lt"/>
+                <a:ea typeface="+mn-ea"/>
+                <a:cs typeface="+mn-cs"/>
+              </a:defRPr>
+            </a:lvl7pPr>
+            <a:lvl8pPr marL="2571750" indent="-171450" algn="l" defTabSz="685800" rtl="0" eaLnBrk="1" latinLnBrk="0" hangingPunct="1">
+              <a:lnSpc>
+                <a:spcPct val="90000"/>
+              </a:lnSpc>
+              <a:spcBef>
+                <a:spcPts val="375"/>
+              </a:spcBef>
+              <a:buFont typeface="Arial" panose="020B0604020202020204" pitchFamily="34" charset="0"/>
+              <a:buChar char="•"/>
+              <a:defRPr sz="1350" kern="1200">
+                <a:solidFill>
+                  <a:schemeClr val="tx1"/>
+                </a:solidFill>
+                <a:latin typeface="+mn-lt"/>
+                <a:ea typeface="+mn-ea"/>
+                <a:cs typeface="+mn-cs"/>
+              </a:defRPr>
+            </a:lvl8pPr>
+            <a:lvl9pPr marL="2914650" indent="-171450" algn="l" defTabSz="685800" rtl="0" eaLnBrk="1" latinLnBrk="0" hangingPunct="1">
+              <a:lnSpc>
+                <a:spcPct val="90000"/>
+              </a:lnSpc>
+              <a:spcBef>
+                <a:spcPts val="375"/>
+              </a:spcBef>
+              <a:buFont typeface="Arial" panose="020B0604020202020204" pitchFamily="34" charset="0"/>
+              <a:buChar char="•"/>
+              <a:defRPr sz="1350" kern="1200">
+                <a:solidFill>
+                  <a:schemeClr val="tx1"/>
+                </a:solidFill>
+                <a:latin typeface="+mn-lt"/>
+                <a:ea typeface="+mn-ea"/>
+                <a:cs typeface="+mn-cs"/>
+              </a:defRPr>
+            </a:lvl9pPr>
+          </a:lstStyle>
+          <a:p>
+            <a:pPr marL="0" indent="0">
+              <a:lnSpc>
+                <a:spcPts val="2900"/>
+              </a:lnSpc>
+              <a:buNone/>
+              <a:defRPr/>
+            </a:pPr>
+            <a:r>
+              <a:rPr lang="en-US" sz="2800" b="1" dirty="0">
+                <a:solidFill>
+                  <a:srgbClr val="002060"/>
+                </a:solidFill>
+                <a:latin typeface="Book Antiqua" panose="02040602050305030304" pitchFamily="18" charset="0"/>
+              </a:rPr>
+              <a:t>ML</a:t>
+            </a:r>
+            <a:r>
+              <a:rPr lang="uk-UA" sz="2800" b="1" dirty="0">
+                <a:solidFill>
+                  <a:srgbClr val="002060"/>
+                </a:solidFill>
+                <a:latin typeface="Book Antiqua" panose="02040602050305030304" pitchFamily="18" charset="0"/>
+              </a:rPr>
+              <a:t> – машинне навчання – </a:t>
+            </a:r>
+            <a:r>
+              <a:rPr lang="uk-UA" sz="2800" dirty="0">
+                <a:solidFill>
+                  <a:srgbClr val="002060"/>
+                </a:solidFill>
+                <a:latin typeface="Book Antiqua" panose="02040602050305030304" pitchFamily="18" charset="0"/>
+              </a:rPr>
+              <a:t>підрозділ ШІ, де системи навчаються без явного програмування</a:t>
+            </a:r>
+            <a:endParaRPr lang="en-US" sz="2800" b="1" dirty="0">
+              <a:solidFill>
+                <a:srgbClr val="002060"/>
+              </a:solidFill>
+              <a:latin typeface="Book Antiqua" panose="02040602050305030304" pitchFamily="18" charset="0"/>
+            </a:endParaRPr>
+          </a:p>
+        </p:txBody>
+      </p:sp>
+      <p:sp>
+        <p:nvSpPr>
+          <p:cNvPr id="5" name="TextShape 1">
+            <a:extLst>
+              <a:ext uri="{FF2B5EF4-FFF2-40B4-BE49-F238E27FC236}">
+                <a16:creationId xmlns:a16="http://schemas.microsoft.com/office/drawing/2014/main" id="{E69E784C-ED28-4A92-8E0C-ED367A7795CF}"/>
+              </a:ext>
+            </a:extLst>
+          </p:cNvPr>
+          <p:cNvSpPr txBox="1"/>
+          <p:nvPr/>
+        </p:nvSpPr>
+        <p:spPr>
+          <a:xfrm>
+            <a:off x="8532440" y="6313439"/>
+            <a:ext cx="442392" cy="457200"/>
+          </a:xfrm>
+          <a:prstGeom prst="rect">
+            <a:avLst/>
+          </a:prstGeom>
+          <a:noFill/>
+          <a:ln>
+            <a:noFill/>
+          </a:ln>
+        </p:spPr>
+        <p:txBody>
+          <a:bodyPr anchor="b"/>
+          <a:lstStyle>
+            <a:lvl1pPr>
+              <a:defRPr>
+                <a:solidFill>
+                  <a:schemeClr val="tx1"/>
+                </a:solidFill>
+                <a:latin typeface="Arial" panose="020B0604020202020204" pitchFamily="34" charset="0"/>
+                <a:cs typeface="DejaVu Sans" panose="020B0603030804020204" pitchFamily="34" charset="0"/>
+              </a:defRPr>
+            </a:lvl1pPr>
+            <a:lvl2pPr marL="742950" indent="-285750">
+              <a:defRPr>
+                <a:solidFill>
+                  <a:schemeClr val="tx1"/>
+                </a:solidFill>
+                <a:latin typeface="Arial" panose="020B0604020202020204" pitchFamily="34" charset="0"/>
+                <a:cs typeface="DejaVu Sans" panose="020B0603030804020204" pitchFamily="34" charset="0"/>
+              </a:defRPr>
+            </a:lvl2pPr>
+            <a:lvl3pPr marL="1143000" indent="-228600">
+              <a:defRPr>
+                <a:solidFill>
+                  <a:schemeClr val="tx1"/>
+                </a:solidFill>
+                <a:latin typeface="Arial" panose="020B0604020202020204" pitchFamily="34" charset="0"/>
+                <a:cs typeface="DejaVu Sans" panose="020B0603030804020204" pitchFamily="34" charset="0"/>
+              </a:defRPr>
+            </a:lvl3pPr>
+            <a:lvl4pPr marL="1600200" indent="-228600">
+              <a:defRPr>
+                <a:solidFill>
+                  <a:schemeClr val="tx1"/>
+                </a:solidFill>
+                <a:latin typeface="Arial" panose="020B0604020202020204" pitchFamily="34" charset="0"/>
+                <a:cs typeface="DejaVu Sans" panose="020B0603030804020204" pitchFamily="34" charset="0"/>
+              </a:defRPr>
+            </a:lvl4pPr>
+            <a:lvl5pPr marL="2057400" indent="-228600">
+              <a:defRPr>
+                <a:solidFill>
+                  <a:schemeClr val="tx1"/>
+                </a:solidFill>
+                <a:latin typeface="Arial" panose="020B0604020202020204" pitchFamily="34" charset="0"/>
+                <a:cs typeface="DejaVu Sans" panose="020B0603030804020204" pitchFamily="34" charset="0"/>
+              </a:defRPr>
+            </a:lvl5pPr>
+            <a:lvl6pPr marL="2514600" indent="-228600" fontAlgn="base">
+              <a:spcBef>
+                <a:spcPct val="0"/>
+              </a:spcBef>
+              <a:spcAft>
+                <a:spcPct val="0"/>
+              </a:spcAft>
+              <a:defRPr>
+                <a:solidFill>
+                  <a:schemeClr val="tx1"/>
+                </a:solidFill>
+                <a:latin typeface="Arial" panose="020B0604020202020204" pitchFamily="34" charset="0"/>
+                <a:cs typeface="DejaVu Sans" panose="020B0603030804020204" pitchFamily="34" charset="0"/>
+              </a:defRPr>
+            </a:lvl6pPr>
+            <a:lvl7pPr marL="2971800" indent="-228600" fontAlgn="base">
+              <a:spcBef>
+                <a:spcPct val="0"/>
+              </a:spcBef>
+              <a:spcAft>
+                <a:spcPct val="0"/>
+              </a:spcAft>
+              <a:defRPr>
+                <a:solidFill>
+                  <a:schemeClr val="tx1"/>
+                </a:solidFill>
+                <a:latin typeface="Arial" panose="020B0604020202020204" pitchFamily="34" charset="0"/>
+                <a:cs typeface="DejaVu Sans" panose="020B0603030804020204" pitchFamily="34" charset="0"/>
+              </a:defRPr>
+            </a:lvl7pPr>
+            <a:lvl8pPr marL="3429000" indent="-228600" fontAlgn="base">
+              <a:spcBef>
+                <a:spcPct val="0"/>
+              </a:spcBef>
+              <a:spcAft>
+                <a:spcPct val="0"/>
+              </a:spcAft>
+              <a:defRPr>
+                <a:solidFill>
+                  <a:schemeClr val="tx1"/>
+                </a:solidFill>
+                <a:latin typeface="Arial" panose="020B0604020202020204" pitchFamily="34" charset="0"/>
+                <a:cs typeface="DejaVu Sans" panose="020B0603030804020204" pitchFamily="34" charset="0"/>
+              </a:defRPr>
+            </a:lvl8pPr>
+            <a:lvl9pPr marL="3886200" indent="-228600" fontAlgn="base">
+              <a:spcBef>
+                <a:spcPct val="0"/>
+              </a:spcBef>
+              <a:spcAft>
+                <a:spcPct val="0"/>
+              </a:spcAft>
+              <a:defRPr>
+                <a:solidFill>
+                  <a:schemeClr val="tx1"/>
+                </a:solidFill>
+                <a:latin typeface="Arial" panose="020B0604020202020204" pitchFamily="34" charset="0"/>
+                <a:cs typeface="DejaVu Sans" panose="020B0603030804020204" pitchFamily="34" charset="0"/>
+              </a:defRPr>
+            </a:lvl9pPr>
+          </a:lstStyle>
+          <a:p>
+            <a:pPr algn="r"/>
+            <a:fld id="{32F61797-D50F-4FE0-AF7F-39CB46C48131}" type="slidenum">
+              <a:rPr lang="uk-UA" altLang="ru-RU" sz="1400" b="1" smtClean="0">
+                <a:solidFill>
+                  <a:srgbClr val="002060"/>
+                </a:solidFill>
+                <a:latin typeface="Tahoma" panose="020B0604030504040204" pitchFamily="34" charset="0"/>
+              </a:rPr>
+              <a:pPr algn="r"/>
+              <a:t>2</a:t>
+            </a:fld>
+            <a:endParaRPr lang="uk-UA" altLang="ru-RU" sz="1400" b="1" dirty="0">
+              <a:solidFill>
+                <a:srgbClr val="002060"/>
+              </a:solidFill>
+              <a:latin typeface="Tahoma" panose="020B0604030504040204" pitchFamily="34" charset="0"/>
+            </a:endParaRPr>
+          </a:p>
+        </p:txBody>
+      </p:sp>
+      <p:sp>
+        <p:nvSpPr>
+          <p:cNvPr id="2" name="TextBox 1">
+            <a:extLst>
+              <a:ext uri="{FF2B5EF4-FFF2-40B4-BE49-F238E27FC236}">
+                <a16:creationId xmlns:a16="http://schemas.microsoft.com/office/drawing/2014/main" id="{F7A625D9-41C0-3D49-97C8-BCDFEC4A08FF}"/>
+              </a:ext>
+            </a:extLst>
+          </p:cNvPr>
+          <p:cNvSpPr txBox="1"/>
+          <p:nvPr/>
+        </p:nvSpPr>
+        <p:spPr>
+          <a:xfrm>
+            <a:off x="590496" y="102397"/>
+            <a:ext cx="3038278" cy="646331"/>
+          </a:xfrm>
+          <a:prstGeom prst="rect">
+            <a:avLst/>
+          </a:prstGeom>
+          <a:noFill/>
+        </p:spPr>
+        <p:txBody>
+          <a:bodyPr wrap="square" rtlCol="0">
+            <a:spAutoFit/>
+          </a:bodyPr>
+          <a:lstStyle/>
+          <a:p>
+            <a:pPr algn="ctr"/>
+            <a:r>
+              <a:rPr lang="uk-UA" altLang="ru-RU" sz="3600" b="1" dirty="0">
+                <a:solidFill>
+                  <a:srgbClr val="002060"/>
+                </a:solidFill>
+                <a:latin typeface="Book Antiqua" panose="02040602050305030304" pitchFamily="18" charset="0"/>
+              </a:rPr>
+              <a:t> Ареал ШІ</a:t>
+            </a:r>
+          </a:p>
+        </p:txBody>
+      </p:sp>
+      <p:pic>
+        <p:nvPicPr>
+          <p:cNvPr id="3074" name="Picture 2">
+            <a:extLst>
+              <a:ext uri="{FF2B5EF4-FFF2-40B4-BE49-F238E27FC236}">
+                <a16:creationId xmlns:a16="http://schemas.microsoft.com/office/drawing/2014/main" id="{D60C0D96-D308-2B2D-47D0-1AFA90AA60FD}"/>
+              </a:ext>
+            </a:extLst>
+          </p:cNvPr>
+          <p:cNvPicPr>
+            <a:picLocks noChangeAspect="1" noChangeArrowheads="1"/>
+          </p:cNvPicPr>
+          <p:nvPr/>
+        </p:nvPicPr>
+        <p:blipFill rotWithShape="1">
+          <a:blip r:embed="rId3">
+            <a:extLst>
+              <a:ext uri="{BEBA8EAE-BF5A-486C-A8C5-ECC9F3942E4B}">
+                <a14:imgProps xmlns:a14="http://schemas.microsoft.com/office/drawing/2010/main">
+                  <a14:imgLayer r:embed="rId4">
+                    <a14:imgEffect>
+                      <a14:backgroundRemoval t="10000" b="90000" l="10000" r="90000"/>
+                    </a14:imgEffect>
+                  </a14:imgLayer>
+                </a14:imgProps>
+              </a:ext>
+              <a:ext uri="{28A0092B-C50C-407E-A947-70E740481C1C}">
+                <a14:useLocalDpi xmlns:a14="http://schemas.microsoft.com/office/drawing/2010/main" val="0"/>
+              </a:ext>
+            </a:extLst>
+          </a:blip>
+          <a:srcRect l="9440" t="9748" r="8478" b="10331"/>
+          <a:stretch/>
+        </p:blipFill>
+        <p:spPr bwMode="auto">
+          <a:xfrm>
+            <a:off x="-1126" y="1329631"/>
+            <a:ext cx="5187230" cy="4983808"/>
+          </a:xfrm>
+          <a:prstGeom prst="rect">
+            <a:avLst/>
+          </a:prstGeom>
+          <a:noFill/>
+          <a:extLst>
+            <a:ext uri="{909E8E84-426E-40DD-AFC4-6F175D3DCCD1}">
+              <a14:hiddenFill xmlns:a14="http://schemas.microsoft.com/office/drawing/2010/main">
+                <a:solidFill>
+                  <a:srgbClr val="FFFFFF"/>
+                </a:solidFill>
+              </a14:hiddenFill>
+            </a:ext>
+          </a:extLst>
+        </p:spPr>
+      </p:pic>
+      <p:sp>
+        <p:nvSpPr>
+          <p:cNvPr id="12" name="Rectangle 3">
+            <a:extLst>
+              <a:ext uri="{FF2B5EF4-FFF2-40B4-BE49-F238E27FC236}">
+                <a16:creationId xmlns:a16="http://schemas.microsoft.com/office/drawing/2014/main" id="{540B637B-2834-946F-F589-4C1071F69645}"/>
+              </a:ext>
+            </a:extLst>
+          </p:cNvPr>
+          <p:cNvSpPr txBox="1">
+            <a:spLocks noChangeArrowheads="1"/>
+          </p:cNvSpPr>
+          <p:nvPr/>
+        </p:nvSpPr>
+        <p:spPr>
+          <a:xfrm>
+            <a:off x="5187230" y="2360721"/>
+            <a:ext cx="3903948" cy="2031838"/>
+          </a:xfrm>
+          <a:prstGeom prst="rect">
+            <a:avLst/>
+          </a:prstGeom>
+        </p:spPr>
+        <p:txBody>
+          <a:bodyPr vert="horz" wrap="square" lIns="91440" tIns="45720" rIns="91440" bIns="45720" rtlCol="0">
+            <a:spAutoFit/>
+          </a:bodyPr>
+          <a:lstStyle>
+            <a:lvl1pPr marL="171450" indent="-171450" algn="l" defTabSz="685800" rtl="0" eaLnBrk="1" latinLnBrk="0" hangingPunct="1">
+              <a:lnSpc>
+                <a:spcPct val="90000"/>
+              </a:lnSpc>
+              <a:spcBef>
+                <a:spcPts val="750"/>
+              </a:spcBef>
+              <a:buFont typeface="Arial" panose="020B0604020202020204" pitchFamily="34" charset="0"/>
+              <a:buChar char="•"/>
+              <a:defRPr sz="2100" kern="1200">
+                <a:solidFill>
+                  <a:schemeClr val="tx1"/>
+                </a:solidFill>
+                <a:latin typeface="+mn-lt"/>
+                <a:ea typeface="+mn-ea"/>
+                <a:cs typeface="+mn-cs"/>
+              </a:defRPr>
+            </a:lvl1pPr>
+            <a:lvl2pPr marL="514350" indent="-171450" algn="l" defTabSz="685800" rtl="0" eaLnBrk="1" latinLnBrk="0" hangingPunct="1">
+              <a:lnSpc>
+                <a:spcPct val="90000"/>
+              </a:lnSpc>
+              <a:spcBef>
+                <a:spcPts val="375"/>
+              </a:spcBef>
+              <a:buFont typeface="Arial" panose="020B0604020202020204" pitchFamily="34" charset="0"/>
+              <a:buChar char="•"/>
+              <a:defRPr sz="1800" kern="1200">
+                <a:solidFill>
+                  <a:schemeClr val="tx1"/>
+                </a:solidFill>
+                <a:latin typeface="+mn-lt"/>
+                <a:ea typeface="+mn-ea"/>
+                <a:cs typeface="+mn-cs"/>
+              </a:defRPr>
+            </a:lvl2pPr>
+            <a:lvl3pPr marL="857250" indent="-171450" algn="l" defTabSz="685800" rtl="0" eaLnBrk="1" latinLnBrk="0" hangingPunct="1">
+              <a:lnSpc>
+                <a:spcPct val="90000"/>
+              </a:lnSpc>
+              <a:spcBef>
+                <a:spcPts val="375"/>
+              </a:spcBef>
+              <a:buFont typeface="Arial" panose="020B0604020202020204" pitchFamily="34" charset="0"/>
+              <a:buChar char="•"/>
+              <a:defRPr sz="1500" kern="1200">
+                <a:solidFill>
+                  <a:schemeClr val="tx1"/>
+                </a:solidFill>
+                <a:latin typeface="+mn-lt"/>
+                <a:ea typeface="+mn-ea"/>
+                <a:cs typeface="+mn-cs"/>
+              </a:defRPr>
+            </a:lvl3pPr>
+            <a:lvl4pPr marL="1200150" indent="-171450" algn="l" defTabSz="685800" rtl="0" eaLnBrk="1" latinLnBrk="0" hangingPunct="1">
+              <a:lnSpc>
+                <a:spcPct val="90000"/>
+              </a:lnSpc>
+              <a:spcBef>
+                <a:spcPts val="375"/>
+              </a:spcBef>
+              <a:buFont typeface="Arial" panose="020B0604020202020204" pitchFamily="34" charset="0"/>
+              <a:buChar char="•"/>
+              <a:defRPr sz="1350" kern="1200">
+                <a:solidFill>
+                  <a:schemeClr val="tx1"/>
+                </a:solidFill>
+                <a:latin typeface="+mn-lt"/>
+                <a:ea typeface="+mn-ea"/>
+                <a:cs typeface="+mn-cs"/>
+              </a:defRPr>
+            </a:lvl4pPr>
+            <a:lvl5pPr marL="1543050" indent="-171450" algn="l" defTabSz="685800" rtl="0" eaLnBrk="1" latinLnBrk="0" hangingPunct="1">
+              <a:lnSpc>
+                <a:spcPct val="90000"/>
+              </a:lnSpc>
+              <a:spcBef>
+                <a:spcPts val="375"/>
+              </a:spcBef>
+              <a:buFont typeface="Arial" panose="020B0604020202020204" pitchFamily="34" charset="0"/>
+              <a:buChar char="•"/>
+              <a:defRPr sz="1350" kern="1200">
+                <a:solidFill>
+                  <a:schemeClr val="tx1"/>
+                </a:solidFill>
+                <a:latin typeface="+mn-lt"/>
+                <a:ea typeface="+mn-ea"/>
+                <a:cs typeface="+mn-cs"/>
+              </a:defRPr>
+            </a:lvl5pPr>
+            <a:lvl6pPr marL="1885950" indent="-171450" algn="l" defTabSz="685800" rtl="0" eaLnBrk="1" latinLnBrk="0" hangingPunct="1">
+              <a:lnSpc>
+                <a:spcPct val="90000"/>
+              </a:lnSpc>
+              <a:spcBef>
+                <a:spcPts val="375"/>
+              </a:spcBef>
+              <a:buFont typeface="Arial" panose="020B0604020202020204" pitchFamily="34" charset="0"/>
+              <a:buChar char="•"/>
+              <a:defRPr sz="1350" kern="1200">
+                <a:solidFill>
+                  <a:schemeClr val="tx1"/>
+                </a:solidFill>
+                <a:latin typeface="+mn-lt"/>
+                <a:ea typeface="+mn-ea"/>
+                <a:cs typeface="+mn-cs"/>
+              </a:defRPr>
+            </a:lvl6pPr>
+            <a:lvl7pPr marL="2228850" indent="-171450" algn="l" defTabSz="685800" rtl="0" eaLnBrk="1" latinLnBrk="0" hangingPunct="1">
+              <a:lnSpc>
+                <a:spcPct val="90000"/>
+              </a:lnSpc>
+              <a:spcBef>
+                <a:spcPts val="375"/>
+              </a:spcBef>
+              <a:buFont typeface="Arial" panose="020B0604020202020204" pitchFamily="34" charset="0"/>
+              <a:buChar char="•"/>
+              <a:defRPr sz="1350" kern="1200">
+                <a:solidFill>
+                  <a:schemeClr val="tx1"/>
+                </a:solidFill>
+                <a:latin typeface="+mn-lt"/>
+                <a:ea typeface="+mn-ea"/>
+                <a:cs typeface="+mn-cs"/>
+              </a:defRPr>
+            </a:lvl7pPr>
+            <a:lvl8pPr marL="2571750" indent="-171450" algn="l" defTabSz="685800" rtl="0" eaLnBrk="1" latinLnBrk="0" hangingPunct="1">
+              <a:lnSpc>
+                <a:spcPct val="90000"/>
+              </a:lnSpc>
+              <a:spcBef>
+                <a:spcPts val="375"/>
+              </a:spcBef>
+              <a:buFont typeface="Arial" panose="020B0604020202020204" pitchFamily="34" charset="0"/>
+              <a:buChar char="•"/>
+              <a:defRPr sz="1350" kern="1200">
+                <a:solidFill>
+                  <a:schemeClr val="tx1"/>
+                </a:solidFill>
+                <a:latin typeface="+mn-lt"/>
+                <a:ea typeface="+mn-ea"/>
+                <a:cs typeface="+mn-cs"/>
+              </a:defRPr>
+            </a:lvl8pPr>
+            <a:lvl9pPr marL="2914650" indent="-171450" algn="l" defTabSz="685800" rtl="0" eaLnBrk="1" latinLnBrk="0" hangingPunct="1">
+              <a:lnSpc>
+                <a:spcPct val="90000"/>
+              </a:lnSpc>
+              <a:spcBef>
+                <a:spcPts val="375"/>
+              </a:spcBef>
+              <a:buFont typeface="Arial" panose="020B0604020202020204" pitchFamily="34" charset="0"/>
+              <a:buChar char="•"/>
+              <a:defRPr sz="1350" kern="1200">
+                <a:solidFill>
+                  <a:schemeClr val="tx1"/>
+                </a:solidFill>
+                <a:latin typeface="+mn-lt"/>
+                <a:ea typeface="+mn-ea"/>
+                <a:cs typeface="+mn-cs"/>
+              </a:defRPr>
+            </a:lvl9pPr>
+          </a:lstStyle>
+          <a:p>
+            <a:pPr marL="0" indent="0">
+              <a:buNone/>
+              <a:defRPr/>
+            </a:pPr>
+            <a:r>
+              <a:rPr lang="en-US" sz="2800" b="1" dirty="0">
+                <a:solidFill>
+                  <a:srgbClr val="002060"/>
+                </a:solidFill>
+                <a:latin typeface="Book Antiqua" panose="02040602050305030304" pitchFamily="18" charset="0"/>
+              </a:rPr>
+              <a:t>NN</a:t>
+            </a:r>
+            <a:r>
+              <a:rPr lang="uk-UA" sz="2800" b="1" dirty="0">
+                <a:solidFill>
+                  <a:srgbClr val="002060"/>
+                </a:solidFill>
+                <a:latin typeface="Book Antiqua" panose="02040602050305030304" pitchFamily="18" charset="0"/>
+              </a:rPr>
+              <a:t> – нейронна мережа – </a:t>
+            </a:r>
+            <a:r>
+              <a:rPr lang="uk-UA" sz="2800" dirty="0">
+                <a:solidFill>
+                  <a:srgbClr val="002060"/>
+                </a:solidFill>
+                <a:latin typeface="Book Antiqua" panose="02040602050305030304" pitchFamily="18" charset="0"/>
+              </a:rPr>
+              <a:t>математична модель, що імітує роботу людського мозку</a:t>
+            </a:r>
+            <a:endParaRPr lang="en-US" sz="2800" b="1" dirty="0">
+              <a:solidFill>
+                <a:srgbClr val="002060"/>
+              </a:solidFill>
+              <a:latin typeface="Book Antiqua" panose="02040602050305030304" pitchFamily="18" charset="0"/>
+            </a:endParaRPr>
+          </a:p>
+        </p:txBody>
+      </p:sp>
+      <p:sp>
+        <p:nvSpPr>
+          <p:cNvPr id="13" name="Rectangle 3">
+            <a:extLst>
+              <a:ext uri="{FF2B5EF4-FFF2-40B4-BE49-F238E27FC236}">
+                <a16:creationId xmlns:a16="http://schemas.microsoft.com/office/drawing/2014/main" id="{60EEB371-65B8-BCC9-08F9-BBFCD4137BA2}"/>
+              </a:ext>
+            </a:extLst>
+          </p:cNvPr>
+          <p:cNvSpPr txBox="1">
+            <a:spLocks noChangeArrowheads="1"/>
+          </p:cNvSpPr>
+          <p:nvPr/>
+        </p:nvSpPr>
+        <p:spPr>
+          <a:xfrm>
+            <a:off x="4907298" y="4779599"/>
+            <a:ext cx="3903948" cy="1256241"/>
+          </a:xfrm>
+          <a:prstGeom prst="rect">
+            <a:avLst/>
+          </a:prstGeom>
+        </p:spPr>
+        <p:txBody>
+          <a:bodyPr vert="horz" wrap="square" lIns="91440" tIns="45720" rIns="91440" bIns="45720" rtlCol="0">
+            <a:spAutoFit/>
+          </a:bodyPr>
+          <a:lstStyle>
+            <a:lvl1pPr marL="171450" indent="-171450" algn="l" defTabSz="685800" rtl="0" eaLnBrk="1" latinLnBrk="0" hangingPunct="1">
+              <a:lnSpc>
+                <a:spcPct val="90000"/>
+              </a:lnSpc>
+              <a:spcBef>
+                <a:spcPts val="750"/>
+              </a:spcBef>
+              <a:buFont typeface="Arial" panose="020B0604020202020204" pitchFamily="34" charset="0"/>
+              <a:buChar char="•"/>
+              <a:defRPr sz="2100" kern="1200">
+                <a:solidFill>
+                  <a:schemeClr val="tx1"/>
+                </a:solidFill>
+                <a:latin typeface="+mn-lt"/>
+                <a:ea typeface="+mn-ea"/>
+                <a:cs typeface="+mn-cs"/>
+              </a:defRPr>
+            </a:lvl1pPr>
+            <a:lvl2pPr marL="514350" indent="-171450" algn="l" defTabSz="685800" rtl="0" eaLnBrk="1" latinLnBrk="0" hangingPunct="1">
+              <a:lnSpc>
+                <a:spcPct val="90000"/>
+              </a:lnSpc>
+              <a:spcBef>
+                <a:spcPts val="375"/>
+              </a:spcBef>
+              <a:buFont typeface="Arial" panose="020B0604020202020204" pitchFamily="34" charset="0"/>
+              <a:buChar char="•"/>
+              <a:defRPr sz="1800" kern="1200">
+                <a:solidFill>
+                  <a:schemeClr val="tx1"/>
+                </a:solidFill>
+                <a:latin typeface="+mn-lt"/>
+                <a:ea typeface="+mn-ea"/>
+                <a:cs typeface="+mn-cs"/>
+              </a:defRPr>
+            </a:lvl2pPr>
+            <a:lvl3pPr marL="857250" indent="-171450" algn="l" defTabSz="685800" rtl="0" eaLnBrk="1" latinLnBrk="0" hangingPunct="1">
+              <a:lnSpc>
+                <a:spcPct val="90000"/>
+              </a:lnSpc>
+              <a:spcBef>
+                <a:spcPts val="375"/>
+              </a:spcBef>
+              <a:buFont typeface="Arial" panose="020B0604020202020204" pitchFamily="34" charset="0"/>
+              <a:buChar char="•"/>
+              <a:defRPr sz="1500" kern="1200">
+                <a:solidFill>
+                  <a:schemeClr val="tx1"/>
+                </a:solidFill>
+                <a:latin typeface="+mn-lt"/>
+                <a:ea typeface="+mn-ea"/>
+                <a:cs typeface="+mn-cs"/>
+              </a:defRPr>
+            </a:lvl3pPr>
+            <a:lvl4pPr marL="1200150" indent="-171450" algn="l" defTabSz="685800" rtl="0" eaLnBrk="1" latinLnBrk="0" hangingPunct="1">
+              <a:lnSpc>
+                <a:spcPct val="90000"/>
+              </a:lnSpc>
+              <a:spcBef>
+                <a:spcPts val="375"/>
+              </a:spcBef>
+              <a:buFont typeface="Arial" panose="020B0604020202020204" pitchFamily="34" charset="0"/>
+              <a:buChar char="•"/>
+              <a:defRPr sz="1350" kern="1200">
+                <a:solidFill>
+                  <a:schemeClr val="tx1"/>
+                </a:solidFill>
+                <a:latin typeface="+mn-lt"/>
+                <a:ea typeface="+mn-ea"/>
+                <a:cs typeface="+mn-cs"/>
+              </a:defRPr>
+            </a:lvl4pPr>
+            <a:lvl5pPr marL="1543050" indent="-171450" algn="l" defTabSz="685800" rtl="0" eaLnBrk="1" latinLnBrk="0" hangingPunct="1">
+              <a:lnSpc>
+                <a:spcPct val="90000"/>
+              </a:lnSpc>
+              <a:spcBef>
+                <a:spcPts val="375"/>
+              </a:spcBef>
+              <a:buFont typeface="Arial" panose="020B0604020202020204" pitchFamily="34" charset="0"/>
+              <a:buChar char="•"/>
+              <a:defRPr sz="1350" kern="1200">
+                <a:solidFill>
+                  <a:schemeClr val="tx1"/>
+                </a:solidFill>
+                <a:latin typeface="+mn-lt"/>
+                <a:ea typeface="+mn-ea"/>
+                <a:cs typeface="+mn-cs"/>
+              </a:defRPr>
+            </a:lvl5pPr>
+            <a:lvl6pPr marL="1885950" indent="-171450" algn="l" defTabSz="685800" rtl="0" eaLnBrk="1" latinLnBrk="0" hangingPunct="1">
+              <a:lnSpc>
+                <a:spcPct val="90000"/>
+              </a:lnSpc>
+              <a:spcBef>
+                <a:spcPts val="375"/>
+              </a:spcBef>
+              <a:buFont typeface="Arial" panose="020B0604020202020204" pitchFamily="34" charset="0"/>
+              <a:buChar char="•"/>
+              <a:defRPr sz="1350" kern="1200">
+                <a:solidFill>
+                  <a:schemeClr val="tx1"/>
+                </a:solidFill>
+                <a:latin typeface="+mn-lt"/>
+                <a:ea typeface="+mn-ea"/>
+                <a:cs typeface="+mn-cs"/>
+              </a:defRPr>
+            </a:lvl6pPr>
+            <a:lvl7pPr marL="2228850" indent="-171450" algn="l" defTabSz="685800" rtl="0" eaLnBrk="1" latinLnBrk="0" hangingPunct="1">
+              <a:lnSpc>
+                <a:spcPct val="90000"/>
+              </a:lnSpc>
+              <a:spcBef>
+                <a:spcPts val="375"/>
+              </a:spcBef>
+              <a:buFont typeface="Arial" panose="020B0604020202020204" pitchFamily="34" charset="0"/>
+              <a:buChar char="•"/>
+              <a:defRPr sz="1350" kern="1200">
+                <a:solidFill>
+                  <a:schemeClr val="tx1"/>
+                </a:solidFill>
+                <a:latin typeface="+mn-lt"/>
+                <a:ea typeface="+mn-ea"/>
+                <a:cs typeface="+mn-cs"/>
+              </a:defRPr>
+            </a:lvl7pPr>
+            <a:lvl8pPr marL="2571750" indent="-171450" algn="l" defTabSz="685800" rtl="0" eaLnBrk="1" latinLnBrk="0" hangingPunct="1">
+              <a:lnSpc>
+                <a:spcPct val="90000"/>
+              </a:lnSpc>
+              <a:spcBef>
+                <a:spcPts val="375"/>
+              </a:spcBef>
+              <a:buFont typeface="Arial" panose="020B0604020202020204" pitchFamily="34" charset="0"/>
+              <a:buChar char="•"/>
+              <a:defRPr sz="1350" kern="1200">
+                <a:solidFill>
+                  <a:schemeClr val="tx1"/>
+                </a:solidFill>
+                <a:latin typeface="+mn-lt"/>
+                <a:ea typeface="+mn-ea"/>
+                <a:cs typeface="+mn-cs"/>
+              </a:defRPr>
+            </a:lvl8pPr>
+            <a:lvl9pPr marL="2914650" indent="-171450" algn="l" defTabSz="685800" rtl="0" eaLnBrk="1" latinLnBrk="0" hangingPunct="1">
+              <a:lnSpc>
+                <a:spcPct val="90000"/>
+              </a:lnSpc>
+              <a:spcBef>
+                <a:spcPts val="375"/>
+              </a:spcBef>
+              <a:buFont typeface="Arial" panose="020B0604020202020204" pitchFamily="34" charset="0"/>
+              <a:buChar char="•"/>
+              <a:defRPr sz="1350" kern="1200">
+                <a:solidFill>
+                  <a:schemeClr val="tx1"/>
+                </a:solidFill>
+                <a:latin typeface="+mn-lt"/>
+                <a:ea typeface="+mn-ea"/>
+                <a:cs typeface="+mn-cs"/>
+              </a:defRPr>
+            </a:lvl9pPr>
+          </a:lstStyle>
+          <a:p>
+            <a:pPr marL="0" indent="0">
+              <a:buNone/>
+              <a:defRPr/>
+            </a:pPr>
+            <a:r>
+              <a:rPr lang="en-US" sz="2800" b="1" dirty="0">
+                <a:solidFill>
+                  <a:srgbClr val="002060"/>
+                </a:solidFill>
+                <a:latin typeface="Book Antiqua" panose="02040602050305030304" pitchFamily="18" charset="0"/>
+              </a:rPr>
+              <a:t>DL</a:t>
+            </a:r>
+            <a:r>
+              <a:rPr lang="uk-UA" sz="2800" b="1" dirty="0">
+                <a:solidFill>
+                  <a:srgbClr val="002060"/>
+                </a:solidFill>
+                <a:latin typeface="Book Antiqua" panose="02040602050305030304" pitchFamily="18" charset="0"/>
+              </a:rPr>
+              <a:t> – глибоке навчання – </a:t>
+            </a:r>
+            <a:r>
+              <a:rPr lang="uk-UA" sz="2800" dirty="0">
+                <a:solidFill>
+                  <a:srgbClr val="002060"/>
+                </a:solidFill>
+                <a:latin typeface="Book Antiqua" panose="02040602050305030304" pitchFamily="18" charset="0"/>
+              </a:rPr>
+              <a:t>навчання багатошарових </a:t>
+            </a:r>
+            <a:r>
+              <a:rPr lang="en-US" sz="2800" dirty="0">
+                <a:solidFill>
+                  <a:srgbClr val="002060"/>
+                </a:solidFill>
+                <a:latin typeface="Book Antiqua" panose="02040602050305030304" pitchFamily="18" charset="0"/>
+              </a:rPr>
+              <a:t>NN</a:t>
+            </a:r>
+            <a:endParaRPr lang="en-US" sz="2800" b="1" dirty="0">
+              <a:solidFill>
+                <a:srgbClr val="002060"/>
+              </a:solidFill>
+              <a:latin typeface="Book Antiqua" panose="02040602050305030304" pitchFamily="18" charset="0"/>
+            </a:endParaRPr>
+          </a:p>
+        </p:txBody>
+      </p:sp>
+    </p:spTree>
+    <p:extLst>
+      <p:ext uri="{BB962C8B-B14F-4D97-AF65-F5344CB8AC3E}">
+        <p14:creationId xmlns:p14="http://schemas.microsoft.com/office/powerpoint/2010/main" val="3862582335"/>
+      </p:ext>
+    </p:extLst>
+  </p:cSld>
+  <p:clrMapOvr>
+    <a:masterClrMapping/>
+  </p:clrMapOvr>
+</p:sld>
+</file>
+
+<file path=ppt/slides/slide20.xml><?xml version="1.0" encoding="utf-8"?>
 <p:sld xmlns:a="http://schemas.openxmlformats.org/drawingml/2006/main" xmlns:r="http://schemas.openxmlformats.org/officeDocument/2006/relationships" xmlns:p="http://schemas.openxmlformats.org/presentationml/2006/main">
   <p:cSld>
     <p:spTree>
@@ -17137,7 +17122,7 @@
                 <a:latin typeface="Tahoma" panose="020B0604030504040204" pitchFamily="34" charset="0"/>
               </a:rPr>
               <a:pPr algn="r"/>
-              <a:t>21</a:t>
+              <a:t>20</a:t>
             </a:fld>
             <a:endParaRPr lang="uk-UA" altLang="ru-RU" sz="1400" b="1" dirty="0">
               <a:solidFill>
@@ -17161,7 +17146,7 @@
 </p:sld>
 </file>
 
-<file path=ppt/slides/slide22.xml><?xml version="1.0" encoding="utf-8"?>
+<file path=ppt/slides/slide21.xml><?xml version="1.0" encoding="utf-8"?>
 <p:sld xmlns:a="http://schemas.openxmlformats.org/drawingml/2006/main" xmlns:r="http://schemas.openxmlformats.org/officeDocument/2006/relationships" xmlns:p="http://schemas.openxmlformats.org/presentationml/2006/main">
   <p:cSld>
     <p:spTree>
@@ -17743,7 +17728,7 @@
                 <a:latin typeface="Tahoma" panose="020B0604030504040204" pitchFamily="34" charset="0"/>
               </a:rPr>
               <a:pPr algn="r"/>
-              <a:t>22</a:t>
+              <a:t>21</a:t>
             </a:fld>
             <a:endParaRPr lang="uk-UA" altLang="ru-RU" sz="1400" b="1" dirty="0">
               <a:solidFill>
@@ -17767,7 +17752,7 @@
 </p:sld>
 </file>
 
-<file path=ppt/slides/slide23.xml><?xml version="1.0" encoding="utf-8"?>
+<file path=ppt/slides/slide22.xml><?xml version="1.0" encoding="utf-8"?>
 <p:sld xmlns:a="http://schemas.openxmlformats.org/drawingml/2006/main" xmlns:r="http://schemas.openxmlformats.org/officeDocument/2006/relationships" xmlns:p="http://schemas.openxmlformats.org/presentationml/2006/main">
   <p:cSld>
     <p:spTree>
@@ -18750,7 +18735,7 @@
                 <a:latin typeface="Tahoma" panose="020B0604030504040204" pitchFamily="34" charset="0"/>
               </a:rPr>
               <a:pPr algn="r"/>
-              <a:t>23</a:t>
+              <a:t>22</a:t>
             </a:fld>
             <a:endParaRPr lang="uk-UA" altLang="ru-RU" sz="1400" b="1" dirty="0">
               <a:solidFill>
@@ -18774,7 +18759,7 @@
 </p:sld>
 </file>
 
-<file path=ppt/slides/slide24.xml><?xml version="1.0" encoding="utf-8"?>
+<file path=ppt/slides/slide23.xml><?xml version="1.0" encoding="utf-8"?>
 <p:sld xmlns:a="http://schemas.openxmlformats.org/drawingml/2006/main" xmlns:r="http://schemas.openxmlformats.org/officeDocument/2006/relationships" xmlns:p="http://schemas.openxmlformats.org/presentationml/2006/main">
   <p:cSld>
     <p:spTree>
@@ -19017,7 +19002,7 @@
                 </a:solidFill>
                 <a:latin typeface="Book Antiqua" panose="02040602050305030304" pitchFamily="18" charset="0"/>
               </a:rPr>
-              <a:t>Частина </a:t>
+              <a:t>Модуль </a:t>
             </a:r>
             <a:r>
               <a:rPr lang="en-US" altLang="ru-RU" sz="4000" b="1" dirty="0">
@@ -19064,994 +19049,6 @@
 </file>
 
 <file path=ppt/slides/slide3.xml><?xml version="1.0" encoding="utf-8"?>
-<p:sld xmlns:a="http://schemas.openxmlformats.org/drawingml/2006/main" xmlns:r="http://schemas.openxmlformats.org/officeDocument/2006/relationships" xmlns:p="http://schemas.openxmlformats.org/presentationml/2006/main">
-  <p:cSld>
-    <p:spTree>
-      <p:nvGrpSpPr>
-        <p:cNvPr id="1" name=""/>
-        <p:cNvGrpSpPr/>
-        <p:nvPr/>
-      </p:nvGrpSpPr>
-      <p:grpSpPr>
-        <a:xfrm>
-          <a:off x="0" y="0"/>
-          <a:ext cx="0" cy="0"/>
-          <a:chOff x="0" y="0"/>
-          <a:chExt cx="0" cy="0"/>
-        </a:xfrm>
-      </p:grpSpPr>
-      <p:sp>
-        <p:nvSpPr>
-          <p:cNvPr id="4" name="Rectangle 3">
-            <a:extLst>
-              <a:ext uri="{FF2B5EF4-FFF2-40B4-BE49-F238E27FC236}">
-                <a16:creationId xmlns:a16="http://schemas.microsoft.com/office/drawing/2014/main" id="{DE2D3578-5540-41FF-B0DB-3125BDD3DDB2}"/>
-              </a:ext>
-            </a:extLst>
-          </p:cNvPr>
-          <p:cNvSpPr txBox="1">
-            <a:spLocks noChangeArrowheads="1"/>
-          </p:cNvSpPr>
-          <p:nvPr/>
-        </p:nvSpPr>
-        <p:spPr>
-          <a:xfrm>
-            <a:off x="4283968" y="329641"/>
-            <a:ext cx="4860032" cy="1644040"/>
-          </a:xfrm>
-          <a:prstGeom prst="rect">
-            <a:avLst/>
-          </a:prstGeom>
-        </p:spPr>
-        <p:txBody>
-          <a:bodyPr vert="horz" wrap="square" lIns="91440" tIns="45720" rIns="91440" bIns="45720" rtlCol="0">
-            <a:spAutoFit/>
-          </a:bodyPr>
-          <a:lstStyle>
-            <a:lvl1pPr marL="171450" indent="-171450" algn="l" defTabSz="685800" rtl="0" eaLnBrk="1" latinLnBrk="0" hangingPunct="1">
-              <a:lnSpc>
-                <a:spcPct val="90000"/>
-              </a:lnSpc>
-              <a:spcBef>
-                <a:spcPts val="750"/>
-              </a:spcBef>
-              <a:buFont typeface="Arial" panose="020B0604020202020204" pitchFamily="34" charset="0"/>
-              <a:buChar char="•"/>
-              <a:defRPr sz="2100" kern="1200">
-                <a:solidFill>
-                  <a:schemeClr val="tx1"/>
-                </a:solidFill>
-                <a:latin typeface="+mn-lt"/>
-                <a:ea typeface="+mn-ea"/>
-                <a:cs typeface="+mn-cs"/>
-              </a:defRPr>
-            </a:lvl1pPr>
-            <a:lvl2pPr marL="514350" indent="-171450" algn="l" defTabSz="685800" rtl="0" eaLnBrk="1" latinLnBrk="0" hangingPunct="1">
-              <a:lnSpc>
-                <a:spcPct val="90000"/>
-              </a:lnSpc>
-              <a:spcBef>
-                <a:spcPts val="375"/>
-              </a:spcBef>
-              <a:buFont typeface="Arial" panose="020B0604020202020204" pitchFamily="34" charset="0"/>
-              <a:buChar char="•"/>
-              <a:defRPr sz="1800" kern="1200">
-                <a:solidFill>
-                  <a:schemeClr val="tx1"/>
-                </a:solidFill>
-                <a:latin typeface="+mn-lt"/>
-                <a:ea typeface="+mn-ea"/>
-                <a:cs typeface="+mn-cs"/>
-              </a:defRPr>
-            </a:lvl2pPr>
-            <a:lvl3pPr marL="857250" indent="-171450" algn="l" defTabSz="685800" rtl="0" eaLnBrk="1" latinLnBrk="0" hangingPunct="1">
-              <a:lnSpc>
-                <a:spcPct val="90000"/>
-              </a:lnSpc>
-              <a:spcBef>
-                <a:spcPts val="375"/>
-              </a:spcBef>
-              <a:buFont typeface="Arial" panose="020B0604020202020204" pitchFamily="34" charset="0"/>
-              <a:buChar char="•"/>
-              <a:defRPr sz="1500" kern="1200">
-                <a:solidFill>
-                  <a:schemeClr val="tx1"/>
-                </a:solidFill>
-                <a:latin typeface="+mn-lt"/>
-                <a:ea typeface="+mn-ea"/>
-                <a:cs typeface="+mn-cs"/>
-              </a:defRPr>
-            </a:lvl3pPr>
-            <a:lvl4pPr marL="1200150" indent="-171450" algn="l" defTabSz="685800" rtl="0" eaLnBrk="1" latinLnBrk="0" hangingPunct="1">
-              <a:lnSpc>
-                <a:spcPct val="90000"/>
-              </a:lnSpc>
-              <a:spcBef>
-                <a:spcPts val="375"/>
-              </a:spcBef>
-              <a:buFont typeface="Arial" panose="020B0604020202020204" pitchFamily="34" charset="0"/>
-              <a:buChar char="•"/>
-              <a:defRPr sz="1350" kern="1200">
-                <a:solidFill>
-                  <a:schemeClr val="tx1"/>
-                </a:solidFill>
-                <a:latin typeface="+mn-lt"/>
-                <a:ea typeface="+mn-ea"/>
-                <a:cs typeface="+mn-cs"/>
-              </a:defRPr>
-            </a:lvl4pPr>
-            <a:lvl5pPr marL="1543050" indent="-171450" algn="l" defTabSz="685800" rtl="0" eaLnBrk="1" latinLnBrk="0" hangingPunct="1">
-              <a:lnSpc>
-                <a:spcPct val="90000"/>
-              </a:lnSpc>
-              <a:spcBef>
-                <a:spcPts val="375"/>
-              </a:spcBef>
-              <a:buFont typeface="Arial" panose="020B0604020202020204" pitchFamily="34" charset="0"/>
-              <a:buChar char="•"/>
-              <a:defRPr sz="1350" kern="1200">
-                <a:solidFill>
-                  <a:schemeClr val="tx1"/>
-                </a:solidFill>
-                <a:latin typeface="+mn-lt"/>
-                <a:ea typeface="+mn-ea"/>
-                <a:cs typeface="+mn-cs"/>
-              </a:defRPr>
-            </a:lvl5pPr>
-            <a:lvl6pPr marL="1885950" indent="-171450" algn="l" defTabSz="685800" rtl="0" eaLnBrk="1" latinLnBrk="0" hangingPunct="1">
-              <a:lnSpc>
-                <a:spcPct val="90000"/>
-              </a:lnSpc>
-              <a:spcBef>
-                <a:spcPts val="375"/>
-              </a:spcBef>
-              <a:buFont typeface="Arial" panose="020B0604020202020204" pitchFamily="34" charset="0"/>
-              <a:buChar char="•"/>
-              <a:defRPr sz="1350" kern="1200">
-                <a:solidFill>
-                  <a:schemeClr val="tx1"/>
-                </a:solidFill>
-                <a:latin typeface="+mn-lt"/>
-                <a:ea typeface="+mn-ea"/>
-                <a:cs typeface="+mn-cs"/>
-              </a:defRPr>
-            </a:lvl6pPr>
-            <a:lvl7pPr marL="2228850" indent="-171450" algn="l" defTabSz="685800" rtl="0" eaLnBrk="1" latinLnBrk="0" hangingPunct="1">
-              <a:lnSpc>
-                <a:spcPct val="90000"/>
-              </a:lnSpc>
-              <a:spcBef>
-                <a:spcPts val="375"/>
-              </a:spcBef>
-              <a:buFont typeface="Arial" panose="020B0604020202020204" pitchFamily="34" charset="0"/>
-              <a:buChar char="•"/>
-              <a:defRPr sz="1350" kern="1200">
-                <a:solidFill>
-                  <a:schemeClr val="tx1"/>
-                </a:solidFill>
-                <a:latin typeface="+mn-lt"/>
-                <a:ea typeface="+mn-ea"/>
-                <a:cs typeface="+mn-cs"/>
-              </a:defRPr>
-            </a:lvl7pPr>
-            <a:lvl8pPr marL="2571750" indent="-171450" algn="l" defTabSz="685800" rtl="0" eaLnBrk="1" latinLnBrk="0" hangingPunct="1">
-              <a:lnSpc>
-                <a:spcPct val="90000"/>
-              </a:lnSpc>
-              <a:spcBef>
-                <a:spcPts val="375"/>
-              </a:spcBef>
-              <a:buFont typeface="Arial" panose="020B0604020202020204" pitchFamily="34" charset="0"/>
-              <a:buChar char="•"/>
-              <a:defRPr sz="1350" kern="1200">
-                <a:solidFill>
-                  <a:schemeClr val="tx1"/>
-                </a:solidFill>
-                <a:latin typeface="+mn-lt"/>
-                <a:ea typeface="+mn-ea"/>
-                <a:cs typeface="+mn-cs"/>
-              </a:defRPr>
-            </a:lvl8pPr>
-            <a:lvl9pPr marL="2914650" indent="-171450" algn="l" defTabSz="685800" rtl="0" eaLnBrk="1" latinLnBrk="0" hangingPunct="1">
-              <a:lnSpc>
-                <a:spcPct val="90000"/>
-              </a:lnSpc>
-              <a:spcBef>
-                <a:spcPts val="375"/>
-              </a:spcBef>
-              <a:buFont typeface="Arial" panose="020B0604020202020204" pitchFamily="34" charset="0"/>
-              <a:buChar char="•"/>
-              <a:defRPr sz="1350" kern="1200">
-                <a:solidFill>
-                  <a:schemeClr val="tx1"/>
-                </a:solidFill>
-                <a:latin typeface="+mn-lt"/>
-                <a:ea typeface="+mn-ea"/>
-                <a:cs typeface="+mn-cs"/>
-              </a:defRPr>
-            </a:lvl9pPr>
-          </a:lstStyle>
-          <a:p>
-            <a:pPr marL="0" indent="0">
-              <a:lnSpc>
-                <a:spcPts val="2900"/>
-              </a:lnSpc>
-              <a:buNone/>
-              <a:defRPr/>
-            </a:pPr>
-            <a:r>
-              <a:rPr lang="en-US" sz="2800" b="1" dirty="0">
-                <a:solidFill>
-                  <a:srgbClr val="002060"/>
-                </a:solidFill>
-                <a:latin typeface="Book Antiqua" panose="02040602050305030304" pitchFamily="18" charset="0"/>
-              </a:rPr>
-              <a:t>ML</a:t>
-            </a:r>
-            <a:r>
-              <a:rPr lang="uk-UA" sz="2800" b="1" dirty="0">
-                <a:solidFill>
-                  <a:srgbClr val="002060"/>
-                </a:solidFill>
-                <a:latin typeface="Book Antiqua" panose="02040602050305030304" pitchFamily="18" charset="0"/>
-              </a:rPr>
-              <a:t> – машинне навчання – </a:t>
-            </a:r>
-            <a:r>
-              <a:rPr lang="uk-UA" sz="2800" dirty="0">
-                <a:solidFill>
-                  <a:srgbClr val="002060"/>
-                </a:solidFill>
-                <a:latin typeface="Book Antiqua" panose="02040602050305030304" pitchFamily="18" charset="0"/>
-              </a:rPr>
-              <a:t>підрозділ ШІ, де системи навчаються без явного програмування</a:t>
-            </a:r>
-            <a:endParaRPr lang="en-US" sz="2800" b="1" dirty="0">
-              <a:solidFill>
-                <a:srgbClr val="002060"/>
-              </a:solidFill>
-              <a:latin typeface="Book Antiqua" panose="02040602050305030304" pitchFamily="18" charset="0"/>
-            </a:endParaRPr>
-          </a:p>
-        </p:txBody>
-      </p:sp>
-      <p:sp>
-        <p:nvSpPr>
-          <p:cNvPr id="5" name="TextShape 1">
-            <a:extLst>
-              <a:ext uri="{FF2B5EF4-FFF2-40B4-BE49-F238E27FC236}">
-                <a16:creationId xmlns:a16="http://schemas.microsoft.com/office/drawing/2014/main" id="{E69E784C-ED28-4A92-8E0C-ED367A7795CF}"/>
-              </a:ext>
-            </a:extLst>
-          </p:cNvPr>
-          <p:cNvSpPr txBox="1"/>
-          <p:nvPr/>
-        </p:nvSpPr>
-        <p:spPr>
-          <a:xfrm>
-            <a:off x="8532440" y="6313439"/>
-            <a:ext cx="442392" cy="457200"/>
-          </a:xfrm>
-          <a:prstGeom prst="rect">
-            <a:avLst/>
-          </a:prstGeom>
-          <a:noFill/>
-          <a:ln>
-            <a:noFill/>
-          </a:ln>
-        </p:spPr>
-        <p:txBody>
-          <a:bodyPr anchor="b"/>
-          <a:lstStyle>
-            <a:lvl1pPr>
-              <a:defRPr>
-                <a:solidFill>
-                  <a:schemeClr val="tx1"/>
-                </a:solidFill>
-                <a:latin typeface="Arial" panose="020B0604020202020204" pitchFamily="34" charset="0"/>
-                <a:cs typeface="DejaVu Sans" panose="020B0603030804020204" pitchFamily="34" charset="0"/>
-              </a:defRPr>
-            </a:lvl1pPr>
-            <a:lvl2pPr marL="742950" indent="-285750">
-              <a:defRPr>
-                <a:solidFill>
-                  <a:schemeClr val="tx1"/>
-                </a:solidFill>
-                <a:latin typeface="Arial" panose="020B0604020202020204" pitchFamily="34" charset="0"/>
-                <a:cs typeface="DejaVu Sans" panose="020B0603030804020204" pitchFamily="34" charset="0"/>
-              </a:defRPr>
-            </a:lvl2pPr>
-            <a:lvl3pPr marL="1143000" indent="-228600">
-              <a:defRPr>
-                <a:solidFill>
-                  <a:schemeClr val="tx1"/>
-                </a:solidFill>
-                <a:latin typeface="Arial" panose="020B0604020202020204" pitchFamily="34" charset="0"/>
-                <a:cs typeface="DejaVu Sans" panose="020B0603030804020204" pitchFamily="34" charset="0"/>
-              </a:defRPr>
-            </a:lvl3pPr>
-            <a:lvl4pPr marL="1600200" indent="-228600">
-              <a:defRPr>
-                <a:solidFill>
-                  <a:schemeClr val="tx1"/>
-                </a:solidFill>
-                <a:latin typeface="Arial" panose="020B0604020202020204" pitchFamily="34" charset="0"/>
-                <a:cs typeface="DejaVu Sans" panose="020B0603030804020204" pitchFamily="34" charset="0"/>
-              </a:defRPr>
-            </a:lvl4pPr>
-            <a:lvl5pPr marL="2057400" indent="-228600">
-              <a:defRPr>
-                <a:solidFill>
-                  <a:schemeClr val="tx1"/>
-                </a:solidFill>
-                <a:latin typeface="Arial" panose="020B0604020202020204" pitchFamily="34" charset="0"/>
-                <a:cs typeface="DejaVu Sans" panose="020B0603030804020204" pitchFamily="34" charset="0"/>
-              </a:defRPr>
-            </a:lvl5pPr>
-            <a:lvl6pPr marL="2514600" indent="-228600" fontAlgn="base">
-              <a:spcBef>
-                <a:spcPct val="0"/>
-              </a:spcBef>
-              <a:spcAft>
-                <a:spcPct val="0"/>
-              </a:spcAft>
-              <a:defRPr>
-                <a:solidFill>
-                  <a:schemeClr val="tx1"/>
-                </a:solidFill>
-                <a:latin typeface="Arial" panose="020B0604020202020204" pitchFamily="34" charset="0"/>
-                <a:cs typeface="DejaVu Sans" panose="020B0603030804020204" pitchFamily="34" charset="0"/>
-              </a:defRPr>
-            </a:lvl6pPr>
-            <a:lvl7pPr marL="2971800" indent="-228600" fontAlgn="base">
-              <a:spcBef>
-                <a:spcPct val="0"/>
-              </a:spcBef>
-              <a:spcAft>
-                <a:spcPct val="0"/>
-              </a:spcAft>
-              <a:defRPr>
-                <a:solidFill>
-                  <a:schemeClr val="tx1"/>
-                </a:solidFill>
-                <a:latin typeface="Arial" panose="020B0604020202020204" pitchFamily="34" charset="0"/>
-                <a:cs typeface="DejaVu Sans" panose="020B0603030804020204" pitchFamily="34" charset="0"/>
-              </a:defRPr>
-            </a:lvl7pPr>
-            <a:lvl8pPr marL="3429000" indent="-228600" fontAlgn="base">
-              <a:spcBef>
-                <a:spcPct val="0"/>
-              </a:spcBef>
-              <a:spcAft>
-                <a:spcPct val="0"/>
-              </a:spcAft>
-              <a:defRPr>
-                <a:solidFill>
-                  <a:schemeClr val="tx1"/>
-                </a:solidFill>
-                <a:latin typeface="Arial" panose="020B0604020202020204" pitchFamily="34" charset="0"/>
-                <a:cs typeface="DejaVu Sans" panose="020B0603030804020204" pitchFamily="34" charset="0"/>
-              </a:defRPr>
-            </a:lvl8pPr>
-            <a:lvl9pPr marL="3886200" indent="-228600" fontAlgn="base">
-              <a:spcBef>
-                <a:spcPct val="0"/>
-              </a:spcBef>
-              <a:spcAft>
-                <a:spcPct val="0"/>
-              </a:spcAft>
-              <a:defRPr>
-                <a:solidFill>
-                  <a:schemeClr val="tx1"/>
-                </a:solidFill>
-                <a:latin typeface="Arial" panose="020B0604020202020204" pitchFamily="34" charset="0"/>
-                <a:cs typeface="DejaVu Sans" panose="020B0603030804020204" pitchFamily="34" charset="0"/>
-              </a:defRPr>
-            </a:lvl9pPr>
-          </a:lstStyle>
-          <a:p>
-            <a:pPr algn="r"/>
-            <a:fld id="{32F61797-D50F-4FE0-AF7F-39CB46C48131}" type="slidenum">
-              <a:rPr lang="uk-UA" altLang="ru-RU" sz="1400" b="1" smtClean="0">
-                <a:solidFill>
-                  <a:srgbClr val="002060"/>
-                </a:solidFill>
-                <a:latin typeface="Tahoma" panose="020B0604030504040204" pitchFamily="34" charset="0"/>
-              </a:rPr>
-              <a:pPr algn="r"/>
-              <a:t>3</a:t>
-            </a:fld>
-            <a:endParaRPr lang="uk-UA" altLang="ru-RU" sz="1400" b="1" dirty="0">
-              <a:solidFill>
-                <a:srgbClr val="002060"/>
-              </a:solidFill>
-              <a:latin typeface="Tahoma" panose="020B0604030504040204" pitchFamily="34" charset="0"/>
-            </a:endParaRPr>
-          </a:p>
-        </p:txBody>
-      </p:sp>
-      <p:sp>
-        <p:nvSpPr>
-          <p:cNvPr id="2" name="TextBox 1">
-            <a:extLst>
-              <a:ext uri="{FF2B5EF4-FFF2-40B4-BE49-F238E27FC236}">
-                <a16:creationId xmlns:a16="http://schemas.microsoft.com/office/drawing/2014/main" id="{F7A625D9-41C0-3D49-97C8-BCDFEC4A08FF}"/>
-              </a:ext>
-            </a:extLst>
-          </p:cNvPr>
-          <p:cNvSpPr txBox="1"/>
-          <p:nvPr/>
-        </p:nvSpPr>
-        <p:spPr>
-          <a:xfrm>
-            <a:off x="590496" y="102397"/>
-            <a:ext cx="3038278" cy="646331"/>
-          </a:xfrm>
-          <a:prstGeom prst="rect">
-            <a:avLst/>
-          </a:prstGeom>
-          <a:noFill/>
-        </p:spPr>
-        <p:txBody>
-          <a:bodyPr wrap="square" rtlCol="0">
-            <a:spAutoFit/>
-          </a:bodyPr>
-          <a:lstStyle/>
-          <a:p>
-            <a:pPr algn="ctr"/>
-            <a:r>
-              <a:rPr lang="uk-UA" altLang="ru-RU" sz="3600" b="1" dirty="0">
-                <a:solidFill>
-                  <a:srgbClr val="002060"/>
-                </a:solidFill>
-                <a:latin typeface="Book Antiqua" panose="02040602050305030304" pitchFamily="18" charset="0"/>
-              </a:rPr>
-              <a:t> Ареал ШІ</a:t>
-            </a:r>
-          </a:p>
-        </p:txBody>
-      </p:sp>
-      <p:pic>
-        <p:nvPicPr>
-          <p:cNvPr id="3074" name="Picture 2">
-            <a:extLst>
-              <a:ext uri="{FF2B5EF4-FFF2-40B4-BE49-F238E27FC236}">
-                <a16:creationId xmlns:a16="http://schemas.microsoft.com/office/drawing/2014/main" id="{D60C0D96-D308-2B2D-47D0-1AFA90AA60FD}"/>
-              </a:ext>
-            </a:extLst>
-          </p:cNvPr>
-          <p:cNvPicPr>
-            <a:picLocks noChangeAspect="1" noChangeArrowheads="1"/>
-          </p:cNvPicPr>
-          <p:nvPr/>
-        </p:nvPicPr>
-        <p:blipFill rotWithShape="1">
-          <a:blip r:embed="rId3">
-            <a:extLst>
-              <a:ext uri="{BEBA8EAE-BF5A-486C-A8C5-ECC9F3942E4B}">
-                <a14:imgProps xmlns:a14="http://schemas.microsoft.com/office/drawing/2010/main">
-                  <a14:imgLayer r:embed="rId4">
-                    <a14:imgEffect>
-                      <a14:backgroundRemoval t="10000" b="90000" l="10000" r="90000"/>
-                    </a14:imgEffect>
-                  </a14:imgLayer>
-                </a14:imgProps>
-              </a:ext>
-              <a:ext uri="{28A0092B-C50C-407E-A947-70E740481C1C}">
-                <a14:useLocalDpi xmlns:a14="http://schemas.microsoft.com/office/drawing/2010/main" val="0"/>
-              </a:ext>
-            </a:extLst>
-          </a:blip>
-          <a:srcRect l="9440" t="9748" r="8478" b="10331"/>
-          <a:stretch/>
-        </p:blipFill>
-        <p:spPr bwMode="auto">
-          <a:xfrm>
-            <a:off x="-1126" y="1329631"/>
-            <a:ext cx="5187230" cy="4983808"/>
-          </a:xfrm>
-          <a:prstGeom prst="rect">
-            <a:avLst/>
-          </a:prstGeom>
-          <a:noFill/>
-          <a:extLst>
-            <a:ext uri="{909E8E84-426E-40DD-AFC4-6F175D3DCCD1}">
-              <a14:hiddenFill xmlns:a14="http://schemas.microsoft.com/office/drawing/2010/main">
-                <a:solidFill>
-                  <a:srgbClr val="FFFFFF"/>
-                </a:solidFill>
-              </a14:hiddenFill>
-            </a:ext>
-          </a:extLst>
-        </p:spPr>
-      </p:pic>
-      <p:sp>
-        <p:nvSpPr>
-          <p:cNvPr id="12" name="Rectangle 3">
-            <a:extLst>
-              <a:ext uri="{FF2B5EF4-FFF2-40B4-BE49-F238E27FC236}">
-                <a16:creationId xmlns:a16="http://schemas.microsoft.com/office/drawing/2014/main" id="{540B637B-2834-946F-F589-4C1071F69645}"/>
-              </a:ext>
-            </a:extLst>
-          </p:cNvPr>
-          <p:cNvSpPr txBox="1">
-            <a:spLocks noChangeArrowheads="1"/>
-          </p:cNvSpPr>
-          <p:nvPr/>
-        </p:nvSpPr>
-        <p:spPr>
-          <a:xfrm>
-            <a:off x="5187230" y="2360721"/>
-            <a:ext cx="3903948" cy="2031838"/>
-          </a:xfrm>
-          <a:prstGeom prst="rect">
-            <a:avLst/>
-          </a:prstGeom>
-        </p:spPr>
-        <p:txBody>
-          <a:bodyPr vert="horz" wrap="square" lIns="91440" tIns="45720" rIns="91440" bIns="45720" rtlCol="0">
-            <a:spAutoFit/>
-          </a:bodyPr>
-          <a:lstStyle>
-            <a:lvl1pPr marL="171450" indent="-171450" algn="l" defTabSz="685800" rtl="0" eaLnBrk="1" latinLnBrk="0" hangingPunct="1">
-              <a:lnSpc>
-                <a:spcPct val="90000"/>
-              </a:lnSpc>
-              <a:spcBef>
-                <a:spcPts val="750"/>
-              </a:spcBef>
-              <a:buFont typeface="Arial" panose="020B0604020202020204" pitchFamily="34" charset="0"/>
-              <a:buChar char="•"/>
-              <a:defRPr sz="2100" kern="1200">
-                <a:solidFill>
-                  <a:schemeClr val="tx1"/>
-                </a:solidFill>
-                <a:latin typeface="+mn-lt"/>
-                <a:ea typeface="+mn-ea"/>
-                <a:cs typeface="+mn-cs"/>
-              </a:defRPr>
-            </a:lvl1pPr>
-            <a:lvl2pPr marL="514350" indent="-171450" algn="l" defTabSz="685800" rtl="0" eaLnBrk="1" latinLnBrk="0" hangingPunct="1">
-              <a:lnSpc>
-                <a:spcPct val="90000"/>
-              </a:lnSpc>
-              <a:spcBef>
-                <a:spcPts val="375"/>
-              </a:spcBef>
-              <a:buFont typeface="Arial" panose="020B0604020202020204" pitchFamily="34" charset="0"/>
-              <a:buChar char="•"/>
-              <a:defRPr sz="1800" kern="1200">
-                <a:solidFill>
-                  <a:schemeClr val="tx1"/>
-                </a:solidFill>
-                <a:latin typeface="+mn-lt"/>
-                <a:ea typeface="+mn-ea"/>
-                <a:cs typeface="+mn-cs"/>
-              </a:defRPr>
-            </a:lvl2pPr>
-            <a:lvl3pPr marL="857250" indent="-171450" algn="l" defTabSz="685800" rtl="0" eaLnBrk="1" latinLnBrk="0" hangingPunct="1">
-              <a:lnSpc>
-                <a:spcPct val="90000"/>
-              </a:lnSpc>
-              <a:spcBef>
-                <a:spcPts val="375"/>
-              </a:spcBef>
-              <a:buFont typeface="Arial" panose="020B0604020202020204" pitchFamily="34" charset="0"/>
-              <a:buChar char="•"/>
-              <a:defRPr sz="1500" kern="1200">
-                <a:solidFill>
-                  <a:schemeClr val="tx1"/>
-                </a:solidFill>
-                <a:latin typeface="+mn-lt"/>
-                <a:ea typeface="+mn-ea"/>
-                <a:cs typeface="+mn-cs"/>
-              </a:defRPr>
-            </a:lvl3pPr>
-            <a:lvl4pPr marL="1200150" indent="-171450" algn="l" defTabSz="685800" rtl="0" eaLnBrk="1" latinLnBrk="0" hangingPunct="1">
-              <a:lnSpc>
-                <a:spcPct val="90000"/>
-              </a:lnSpc>
-              <a:spcBef>
-                <a:spcPts val="375"/>
-              </a:spcBef>
-              <a:buFont typeface="Arial" panose="020B0604020202020204" pitchFamily="34" charset="0"/>
-              <a:buChar char="•"/>
-              <a:defRPr sz="1350" kern="1200">
-                <a:solidFill>
-                  <a:schemeClr val="tx1"/>
-                </a:solidFill>
-                <a:latin typeface="+mn-lt"/>
-                <a:ea typeface="+mn-ea"/>
-                <a:cs typeface="+mn-cs"/>
-              </a:defRPr>
-            </a:lvl4pPr>
-            <a:lvl5pPr marL="1543050" indent="-171450" algn="l" defTabSz="685800" rtl="0" eaLnBrk="1" latinLnBrk="0" hangingPunct="1">
-              <a:lnSpc>
-                <a:spcPct val="90000"/>
-              </a:lnSpc>
-              <a:spcBef>
-                <a:spcPts val="375"/>
-              </a:spcBef>
-              <a:buFont typeface="Arial" panose="020B0604020202020204" pitchFamily="34" charset="0"/>
-              <a:buChar char="•"/>
-              <a:defRPr sz="1350" kern="1200">
-                <a:solidFill>
-                  <a:schemeClr val="tx1"/>
-                </a:solidFill>
-                <a:latin typeface="+mn-lt"/>
-                <a:ea typeface="+mn-ea"/>
-                <a:cs typeface="+mn-cs"/>
-              </a:defRPr>
-            </a:lvl5pPr>
-            <a:lvl6pPr marL="1885950" indent="-171450" algn="l" defTabSz="685800" rtl="0" eaLnBrk="1" latinLnBrk="0" hangingPunct="1">
-              <a:lnSpc>
-                <a:spcPct val="90000"/>
-              </a:lnSpc>
-              <a:spcBef>
-                <a:spcPts val="375"/>
-              </a:spcBef>
-              <a:buFont typeface="Arial" panose="020B0604020202020204" pitchFamily="34" charset="0"/>
-              <a:buChar char="•"/>
-              <a:defRPr sz="1350" kern="1200">
-                <a:solidFill>
-                  <a:schemeClr val="tx1"/>
-                </a:solidFill>
-                <a:latin typeface="+mn-lt"/>
-                <a:ea typeface="+mn-ea"/>
-                <a:cs typeface="+mn-cs"/>
-              </a:defRPr>
-            </a:lvl6pPr>
-            <a:lvl7pPr marL="2228850" indent="-171450" algn="l" defTabSz="685800" rtl="0" eaLnBrk="1" latinLnBrk="0" hangingPunct="1">
-              <a:lnSpc>
-                <a:spcPct val="90000"/>
-              </a:lnSpc>
-              <a:spcBef>
-                <a:spcPts val="375"/>
-              </a:spcBef>
-              <a:buFont typeface="Arial" panose="020B0604020202020204" pitchFamily="34" charset="0"/>
-              <a:buChar char="•"/>
-              <a:defRPr sz="1350" kern="1200">
-                <a:solidFill>
-                  <a:schemeClr val="tx1"/>
-                </a:solidFill>
-                <a:latin typeface="+mn-lt"/>
-                <a:ea typeface="+mn-ea"/>
-                <a:cs typeface="+mn-cs"/>
-              </a:defRPr>
-            </a:lvl7pPr>
-            <a:lvl8pPr marL="2571750" indent="-171450" algn="l" defTabSz="685800" rtl="0" eaLnBrk="1" latinLnBrk="0" hangingPunct="1">
-              <a:lnSpc>
-                <a:spcPct val="90000"/>
-              </a:lnSpc>
-              <a:spcBef>
-                <a:spcPts val="375"/>
-              </a:spcBef>
-              <a:buFont typeface="Arial" panose="020B0604020202020204" pitchFamily="34" charset="0"/>
-              <a:buChar char="•"/>
-              <a:defRPr sz="1350" kern="1200">
-                <a:solidFill>
-                  <a:schemeClr val="tx1"/>
-                </a:solidFill>
-                <a:latin typeface="+mn-lt"/>
-                <a:ea typeface="+mn-ea"/>
-                <a:cs typeface="+mn-cs"/>
-              </a:defRPr>
-            </a:lvl8pPr>
-            <a:lvl9pPr marL="2914650" indent="-171450" algn="l" defTabSz="685800" rtl="0" eaLnBrk="1" latinLnBrk="0" hangingPunct="1">
-              <a:lnSpc>
-                <a:spcPct val="90000"/>
-              </a:lnSpc>
-              <a:spcBef>
-                <a:spcPts val="375"/>
-              </a:spcBef>
-              <a:buFont typeface="Arial" panose="020B0604020202020204" pitchFamily="34" charset="0"/>
-              <a:buChar char="•"/>
-              <a:defRPr sz="1350" kern="1200">
-                <a:solidFill>
-                  <a:schemeClr val="tx1"/>
-                </a:solidFill>
-                <a:latin typeface="+mn-lt"/>
-                <a:ea typeface="+mn-ea"/>
-                <a:cs typeface="+mn-cs"/>
-              </a:defRPr>
-            </a:lvl9pPr>
-          </a:lstStyle>
-          <a:p>
-            <a:pPr marL="0" indent="0">
-              <a:buNone/>
-              <a:defRPr/>
-            </a:pPr>
-            <a:r>
-              <a:rPr lang="en-US" sz="2800" b="1" dirty="0">
-                <a:solidFill>
-                  <a:srgbClr val="002060"/>
-                </a:solidFill>
-                <a:latin typeface="Book Antiqua" panose="02040602050305030304" pitchFamily="18" charset="0"/>
-              </a:rPr>
-              <a:t>NN</a:t>
-            </a:r>
-            <a:r>
-              <a:rPr lang="uk-UA" sz="2800" b="1" dirty="0">
-                <a:solidFill>
-                  <a:srgbClr val="002060"/>
-                </a:solidFill>
-                <a:latin typeface="Book Antiqua" panose="02040602050305030304" pitchFamily="18" charset="0"/>
-              </a:rPr>
-              <a:t> – нейронна мережа – </a:t>
-            </a:r>
-            <a:r>
-              <a:rPr lang="uk-UA" sz="2800" dirty="0">
-                <a:solidFill>
-                  <a:srgbClr val="002060"/>
-                </a:solidFill>
-                <a:latin typeface="Book Antiqua" panose="02040602050305030304" pitchFamily="18" charset="0"/>
-              </a:rPr>
-              <a:t>математична модель, що імітує роботу людського мозку</a:t>
-            </a:r>
-            <a:endParaRPr lang="en-US" sz="2800" b="1" dirty="0">
-              <a:solidFill>
-                <a:srgbClr val="002060"/>
-              </a:solidFill>
-              <a:latin typeface="Book Antiqua" panose="02040602050305030304" pitchFamily="18" charset="0"/>
-            </a:endParaRPr>
-          </a:p>
-        </p:txBody>
-      </p:sp>
-      <p:sp>
-        <p:nvSpPr>
-          <p:cNvPr id="13" name="Rectangle 3">
-            <a:extLst>
-              <a:ext uri="{FF2B5EF4-FFF2-40B4-BE49-F238E27FC236}">
-                <a16:creationId xmlns:a16="http://schemas.microsoft.com/office/drawing/2014/main" id="{60EEB371-65B8-BCC9-08F9-BBFCD4137BA2}"/>
-              </a:ext>
-            </a:extLst>
-          </p:cNvPr>
-          <p:cNvSpPr txBox="1">
-            <a:spLocks noChangeArrowheads="1"/>
-          </p:cNvSpPr>
-          <p:nvPr/>
-        </p:nvSpPr>
-        <p:spPr>
-          <a:xfrm>
-            <a:off x="4907298" y="4779599"/>
-            <a:ext cx="3903948" cy="1256241"/>
-          </a:xfrm>
-          <a:prstGeom prst="rect">
-            <a:avLst/>
-          </a:prstGeom>
-        </p:spPr>
-        <p:txBody>
-          <a:bodyPr vert="horz" wrap="square" lIns="91440" tIns="45720" rIns="91440" bIns="45720" rtlCol="0">
-            <a:spAutoFit/>
-          </a:bodyPr>
-          <a:lstStyle>
-            <a:lvl1pPr marL="171450" indent="-171450" algn="l" defTabSz="685800" rtl="0" eaLnBrk="1" latinLnBrk="0" hangingPunct="1">
-              <a:lnSpc>
-                <a:spcPct val="90000"/>
-              </a:lnSpc>
-              <a:spcBef>
-                <a:spcPts val="750"/>
-              </a:spcBef>
-              <a:buFont typeface="Arial" panose="020B0604020202020204" pitchFamily="34" charset="0"/>
-              <a:buChar char="•"/>
-              <a:defRPr sz="2100" kern="1200">
-                <a:solidFill>
-                  <a:schemeClr val="tx1"/>
-                </a:solidFill>
-                <a:latin typeface="+mn-lt"/>
-                <a:ea typeface="+mn-ea"/>
-                <a:cs typeface="+mn-cs"/>
-              </a:defRPr>
-            </a:lvl1pPr>
-            <a:lvl2pPr marL="514350" indent="-171450" algn="l" defTabSz="685800" rtl="0" eaLnBrk="1" latinLnBrk="0" hangingPunct="1">
-              <a:lnSpc>
-                <a:spcPct val="90000"/>
-              </a:lnSpc>
-              <a:spcBef>
-                <a:spcPts val="375"/>
-              </a:spcBef>
-              <a:buFont typeface="Arial" panose="020B0604020202020204" pitchFamily="34" charset="0"/>
-              <a:buChar char="•"/>
-              <a:defRPr sz="1800" kern="1200">
-                <a:solidFill>
-                  <a:schemeClr val="tx1"/>
-                </a:solidFill>
-                <a:latin typeface="+mn-lt"/>
-                <a:ea typeface="+mn-ea"/>
-                <a:cs typeface="+mn-cs"/>
-              </a:defRPr>
-            </a:lvl2pPr>
-            <a:lvl3pPr marL="857250" indent="-171450" algn="l" defTabSz="685800" rtl="0" eaLnBrk="1" latinLnBrk="0" hangingPunct="1">
-              <a:lnSpc>
-                <a:spcPct val="90000"/>
-              </a:lnSpc>
-              <a:spcBef>
-                <a:spcPts val="375"/>
-              </a:spcBef>
-              <a:buFont typeface="Arial" panose="020B0604020202020204" pitchFamily="34" charset="0"/>
-              <a:buChar char="•"/>
-              <a:defRPr sz="1500" kern="1200">
-                <a:solidFill>
-                  <a:schemeClr val="tx1"/>
-                </a:solidFill>
-                <a:latin typeface="+mn-lt"/>
-                <a:ea typeface="+mn-ea"/>
-                <a:cs typeface="+mn-cs"/>
-              </a:defRPr>
-            </a:lvl3pPr>
-            <a:lvl4pPr marL="1200150" indent="-171450" algn="l" defTabSz="685800" rtl="0" eaLnBrk="1" latinLnBrk="0" hangingPunct="1">
-              <a:lnSpc>
-                <a:spcPct val="90000"/>
-              </a:lnSpc>
-              <a:spcBef>
-                <a:spcPts val="375"/>
-              </a:spcBef>
-              <a:buFont typeface="Arial" panose="020B0604020202020204" pitchFamily="34" charset="0"/>
-              <a:buChar char="•"/>
-              <a:defRPr sz="1350" kern="1200">
-                <a:solidFill>
-                  <a:schemeClr val="tx1"/>
-                </a:solidFill>
-                <a:latin typeface="+mn-lt"/>
-                <a:ea typeface="+mn-ea"/>
-                <a:cs typeface="+mn-cs"/>
-              </a:defRPr>
-            </a:lvl4pPr>
-            <a:lvl5pPr marL="1543050" indent="-171450" algn="l" defTabSz="685800" rtl="0" eaLnBrk="1" latinLnBrk="0" hangingPunct="1">
-              <a:lnSpc>
-                <a:spcPct val="90000"/>
-              </a:lnSpc>
-              <a:spcBef>
-                <a:spcPts val="375"/>
-              </a:spcBef>
-              <a:buFont typeface="Arial" panose="020B0604020202020204" pitchFamily="34" charset="0"/>
-              <a:buChar char="•"/>
-              <a:defRPr sz="1350" kern="1200">
-                <a:solidFill>
-                  <a:schemeClr val="tx1"/>
-                </a:solidFill>
-                <a:latin typeface="+mn-lt"/>
-                <a:ea typeface="+mn-ea"/>
-                <a:cs typeface="+mn-cs"/>
-              </a:defRPr>
-            </a:lvl5pPr>
-            <a:lvl6pPr marL="1885950" indent="-171450" algn="l" defTabSz="685800" rtl="0" eaLnBrk="1" latinLnBrk="0" hangingPunct="1">
-              <a:lnSpc>
-                <a:spcPct val="90000"/>
-              </a:lnSpc>
-              <a:spcBef>
-                <a:spcPts val="375"/>
-              </a:spcBef>
-              <a:buFont typeface="Arial" panose="020B0604020202020204" pitchFamily="34" charset="0"/>
-              <a:buChar char="•"/>
-              <a:defRPr sz="1350" kern="1200">
-                <a:solidFill>
-                  <a:schemeClr val="tx1"/>
-                </a:solidFill>
-                <a:latin typeface="+mn-lt"/>
-                <a:ea typeface="+mn-ea"/>
-                <a:cs typeface="+mn-cs"/>
-              </a:defRPr>
-            </a:lvl6pPr>
-            <a:lvl7pPr marL="2228850" indent="-171450" algn="l" defTabSz="685800" rtl="0" eaLnBrk="1" latinLnBrk="0" hangingPunct="1">
-              <a:lnSpc>
-                <a:spcPct val="90000"/>
-              </a:lnSpc>
-              <a:spcBef>
-                <a:spcPts val="375"/>
-              </a:spcBef>
-              <a:buFont typeface="Arial" panose="020B0604020202020204" pitchFamily="34" charset="0"/>
-              <a:buChar char="•"/>
-              <a:defRPr sz="1350" kern="1200">
-                <a:solidFill>
-                  <a:schemeClr val="tx1"/>
-                </a:solidFill>
-                <a:latin typeface="+mn-lt"/>
-                <a:ea typeface="+mn-ea"/>
-                <a:cs typeface="+mn-cs"/>
-              </a:defRPr>
-            </a:lvl7pPr>
-            <a:lvl8pPr marL="2571750" indent="-171450" algn="l" defTabSz="685800" rtl="0" eaLnBrk="1" latinLnBrk="0" hangingPunct="1">
-              <a:lnSpc>
-                <a:spcPct val="90000"/>
-              </a:lnSpc>
-              <a:spcBef>
-                <a:spcPts val="375"/>
-              </a:spcBef>
-              <a:buFont typeface="Arial" panose="020B0604020202020204" pitchFamily="34" charset="0"/>
-              <a:buChar char="•"/>
-              <a:defRPr sz="1350" kern="1200">
-                <a:solidFill>
-                  <a:schemeClr val="tx1"/>
-                </a:solidFill>
-                <a:latin typeface="+mn-lt"/>
-                <a:ea typeface="+mn-ea"/>
-                <a:cs typeface="+mn-cs"/>
-              </a:defRPr>
-            </a:lvl8pPr>
-            <a:lvl9pPr marL="2914650" indent="-171450" algn="l" defTabSz="685800" rtl="0" eaLnBrk="1" latinLnBrk="0" hangingPunct="1">
-              <a:lnSpc>
-                <a:spcPct val="90000"/>
-              </a:lnSpc>
-              <a:spcBef>
-                <a:spcPts val="375"/>
-              </a:spcBef>
-              <a:buFont typeface="Arial" panose="020B0604020202020204" pitchFamily="34" charset="0"/>
-              <a:buChar char="•"/>
-              <a:defRPr sz="1350" kern="1200">
-                <a:solidFill>
-                  <a:schemeClr val="tx1"/>
-                </a:solidFill>
-                <a:latin typeface="+mn-lt"/>
-                <a:ea typeface="+mn-ea"/>
-                <a:cs typeface="+mn-cs"/>
-              </a:defRPr>
-            </a:lvl9pPr>
-          </a:lstStyle>
-          <a:p>
-            <a:pPr marL="0" indent="0">
-              <a:buNone/>
-              <a:defRPr/>
-            </a:pPr>
-            <a:r>
-              <a:rPr lang="en-US" sz="2800" b="1" dirty="0">
-                <a:solidFill>
-                  <a:srgbClr val="002060"/>
-                </a:solidFill>
-                <a:latin typeface="Book Antiqua" panose="02040602050305030304" pitchFamily="18" charset="0"/>
-              </a:rPr>
-              <a:t>DL</a:t>
-            </a:r>
-            <a:r>
-              <a:rPr lang="uk-UA" sz="2800" b="1" dirty="0">
-                <a:solidFill>
-                  <a:srgbClr val="002060"/>
-                </a:solidFill>
-                <a:latin typeface="Book Antiqua" panose="02040602050305030304" pitchFamily="18" charset="0"/>
-              </a:rPr>
-              <a:t> – глибоке навчання – </a:t>
-            </a:r>
-            <a:r>
-              <a:rPr lang="uk-UA" sz="2800" dirty="0">
-                <a:solidFill>
-                  <a:srgbClr val="002060"/>
-                </a:solidFill>
-                <a:latin typeface="Book Antiqua" panose="02040602050305030304" pitchFamily="18" charset="0"/>
-              </a:rPr>
-              <a:t>навчання багатошарових </a:t>
-            </a:r>
-            <a:r>
-              <a:rPr lang="en-US" sz="2800" dirty="0">
-                <a:solidFill>
-                  <a:srgbClr val="002060"/>
-                </a:solidFill>
-                <a:latin typeface="Book Antiqua" panose="02040602050305030304" pitchFamily="18" charset="0"/>
-              </a:rPr>
-              <a:t>NN</a:t>
-            </a:r>
-            <a:endParaRPr lang="en-US" sz="2800" b="1" dirty="0">
-              <a:solidFill>
-                <a:srgbClr val="002060"/>
-              </a:solidFill>
-              <a:latin typeface="Book Antiqua" panose="02040602050305030304" pitchFamily="18" charset="0"/>
-            </a:endParaRPr>
-          </a:p>
-        </p:txBody>
-      </p:sp>
-    </p:spTree>
-    <p:extLst>
-      <p:ext uri="{BB962C8B-B14F-4D97-AF65-F5344CB8AC3E}">
-        <p14:creationId xmlns:p14="http://schemas.microsoft.com/office/powerpoint/2010/main" val="3862582335"/>
-      </p:ext>
-    </p:extLst>
-  </p:cSld>
-  <p:clrMapOvr>
-    <a:masterClrMapping/>
-  </p:clrMapOvr>
-</p:sld>
-</file>
-
-<file path=ppt/slides/slide4.xml><?xml version="1.0" encoding="utf-8"?>
 <p:sld xmlns:a="http://schemas.openxmlformats.org/drawingml/2006/main" xmlns:r="http://schemas.openxmlformats.org/officeDocument/2006/relationships" xmlns:p="http://schemas.openxmlformats.org/presentationml/2006/main">
   <p:cSld>
     <p:spTree>
@@ -20546,7 +19543,7 @@
                 <a:latin typeface="Tahoma" panose="020B0604030504040204" pitchFamily="34" charset="0"/>
               </a:rPr>
               <a:pPr algn="r"/>
-              <a:t>4</a:t>
+              <a:t>3</a:t>
             </a:fld>
             <a:endParaRPr lang="uk-UA" altLang="ru-RU" sz="1400" b="1" dirty="0">
               <a:solidFill>
@@ -20570,7 +19567,7 @@
 </p:sld>
 </file>
 
-<file path=ppt/slides/slide5.xml><?xml version="1.0" encoding="utf-8"?>
+<file path=ppt/slides/slide4.xml><?xml version="1.0" encoding="utf-8"?>
 <p:sld xmlns:a="http://schemas.openxmlformats.org/drawingml/2006/main" xmlns:r="http://schemas.openxmlformats.org/officeDocument/2006/relationships" xmlns:p="http://schemas.openxmlformats.org/presentationml/2006/main">
   <p:cSld>
     <p:spTree>
@@ -20808,7 +19805,7 @@
                 <a:latin typeface="Tahoma" panose="020B0604030504040204" pitchFamily="34" charset="0"/>
               </a:rPr>
               <a:pPr algn="r"/>
-              <a:t>5</a:t>
+              <a:t>4</a:t>
             </a:fld>
             <a:endParaRPr lang="uk-UA" altLang="ru-RU" sz="1400" b="1" dirty="0">
               <a:solidFill>
@@ -20832,7 +19829,7 @@
 </p:sld>
 </file>
 
-<file path=ppt/slides/slide6.xml><?xml version="1.0" encoding="utf-8"?>
+<file path=ppt/slides/slide5.xml><?xml version="1.0" encoding="utf-8"?>
 <p:sld xmlns:a="http://schemas.openxmlformats.org/drawingml/2006/main" xmlns:r="http://schemas.openxmlformats.org/officeDocument/2006/relationships" xmlns:p="http://schemas.openxmlformats.org/presentationml/2006/main">
   <p:cSld>
     <p:spTree>
@@ -21242,7 +20239,7 @@
                 <a:latin typeface="Tahoma" panose="020B0604030504040204" pitchFamily="34" charset="0"/>
               </a:rPr>
               <a:pPr algn="r"/>
-              <a:t>6</a:t>
+              <a:t>5</a:t>
             </a:fld>
             <a:endParaRPr lang="uk-UA" altLang="ru-RU" sz="1400" b="1" dirty="0">
               <a:solidFill>
@@ -21266,7 +20263,7 @@
 </p:sld>
 </file>
 
-<file path=ppt/slides/slide7.xml><?xml version="1.0" encoding="utf-8"?>
+<file path=ppt/slides/slide6.xml><?xml version="1.0" encoding="utf-8"?>
 <p:sld xmlns:a="http://schemas.openxmlformats.org/drawingml/2006/main" xmlns:r="http://schemas.openxmlformats.org/officeDocument/2006/relationships" xmlns:p="http://schemas.openxmlformats.org/presentationml/2006/main">
   <p:cSld>
     <p:spTree>
@@ -21725,7 +20722,7 @@
                 <a:latin typeface="Tahoma" panose="020B0604030504040204" pitchFamily="34" charset="0"/>
               </a:rPr>
               <a:pPr algn="r"/>
-              <a:t>7</a:t>
+              <a:t>6</a:t>
             </a:fld>
             <a:endParaRPr lang="uk-UA" altLang="ru-RU" sz="1400" b="1" dirty="0">
               <a:solidFill>
@@ -21749,7 +20746,7 @@
 </p:sld>
 </file>
 
-<file path=ppt/slides/slide8.xml><?xml version="1.0" encoding="utf-8"?>
+<file path=ppt/slides/slide7.xml><?xml version="1.0" encoding="utf-8"?>
 <p:sld xmlns:a="http://schemas.openxmlformats.org/drawingml/2006/main" xmlns:r="http://schemas.openxmlformats.org/officeDocument/2006/relationships" xmlns:p="http://schemas.openxmlformats.org/presentationml/2006/main">
   <p:cSld>
     <p:spTree>
@@ -22170,7 +21167,7 @@
                 <a:latin typeface="Tahoma" panose="020B0604030504040204" pitchFamily="34" charset="0"/>
               </a:rPr>
               <a:pPr algn="r"/>
-              <a:t>8</a:t>
+              <a:t>7</a:t>
             </a:fld>
             <a:endParaRPr lang="uk-UA" altLang="ru-RU" sz="1400" b="1" dirty="0">
               <a:solidFill>
@@ -22194,7 +21191,7 @@
 </p:sld>
 </file>
 
-<file path=ppt/slides/slide9.xml><?xml version="1.0" encoding="utf-8"?>
+<file path=ppt/slides/slide8.xml><?xml version="1.0" encoding="utf-8"?>
 <p:sld xmlns:a="http://schemas.openxmlformats.org/drawingml/2006/main" xmlns:r="http://schemas.openxmlformats.org/officeDocument/2006/relationships" xmlns:p="http://schemas.openxmlformats.org/presentationml/2006/main">
   <p:cSld>
     <p:spTree>
@@ -22677,6 +21674,514 @@
                 <a:latin typeface="Tahoma" panose="020B0604030504040204" pitchFamily="34" charset="0"/>
               </a:rPr>
               <a:pPr algn="r"/>
+              <a:t>8</a:t>
+            </a:fld>
+            <a:endParaRPr lang="uk-UA" altLang="ru-RU" sz="1400" b="1" dirty="0">
+              <a:solidFill>
+                <a:srgbClr val="002060"/>
+              </a:solidFill>
+              <a:latin typeface="Tahoma" panose="020B0604030504040204" pitchFamily="34" charset="0"/>
+            </a:endParaRPr>
+          </a:p>
+        </p:txBody>
+      </p:sp>
+    </p:spTree>
+    <p:extLst>
+      <p:ext uri="{BB962C8B-B14F-4D97-AF65-F5344CB8AC3E}">
+        <p14:creationId xmlns:p14="http://schemas.microsoft.com/office/powerpoint/2010/main" val="185843469"/>
+      </p:ext>
+    </p:extLst>
+  </p:cSld>
+  <p:clrMapOvr>
+    <a:masterClrMapping/>
+  </p:clrMapOvr>
+</p:sld>
+</file>
+
+<file path=ppt/slides/slide9.xml><?xml version="1.0" encoding="utf-8"?>
+<p:sld xmlns:a="http://schemas.openxmlformats.org/drawingml/2006/main" xmlns:r="http://schemas.openxmlformats.org/officeDocument/2006/relationships" xmlns:p="http://schemas.openxmlformats.org/presentationml/2006/main">
+  <p:cSld>
+    <p:spTree>
+      <p:nvGrpSpPr>
+        <p:cNvPr id="1" name=""/>
+        <p:cNvGrpSpPr/>
+        <p:nvPr/>
+      </p:nvGrpSpPr>
+      <p:grpSpPr>
+        <a:xfrm>
+          <a:off x="0" y="0"/>
+          <a:ext cx="0" cy="0"/>
+          <a:chOff x="0" y="0"/>
+          <a:chExt cx="0" cy="0"/>
+        </a:xfrm>
+      </p:grpSpPr>
+      <p:sp>
+        <p:nvSpPr>
+          <p:cNvPr id="4" name="Rectangle 3">
+            <a:extLst>
+              <a:ext uri="{FF2B5EF4-FFF2-40B4-BE49-F238E27FC236}">
+                <a16:creationId xmlns:a16="http://schemas.microsoft.com/office/drawing/2014/main" id="{DE2D3578-5540-41FF-B0DB-3125BDD3DDB2}"/>
+              </a:ext>
+            </a:extLst>
+          </p:cNvPr>
+          <p:cNvSpPr txBox="1">
+            <a:spLocks noChangeArrowheads="1"/>
+          </p:cNvSpPr>
+          <p:nvPr/>
+        </p:nvSpPr>
+        <p:spPr>
+          <a:xfrm>
+            <a:off x="349696" y="836712"/>
+            <a:ext cx="8686800" cy="5339795"/>
+          </a:xfrm>
+          <a:prstGeom prst="rect">
+            <a:avLst/>
+          </a:prstGeom>
+        </p:spPr>
+        <p:txBody>
+          <a:bodyPr vert="horz" lIns="91440" tIns="45720" rIns="91440" bIns="45720" rtlCol="0">
+            <a:spAutoFit/>
+          </a:bodyPr>
+          <a:lstStyle>
+            <a:lvl1pPr marL="171450" indent="-171450" algn="l" defTabSz="685800" rtl="0" eaLnBrk="1" latinLnBrk="0" hangingPunct="1">
+              <a:lnSpc>
+                <a:spcPct val="90000"/>
+              </a:lnSpc>
+              <a:spcBef>
+                <a:spcPts val="750"/>
+              </a:spcBef>
+              <a:buFont typeface="Arial" panose="020B0604020202020204" pitchFamily="34" charset="0"/>
+              <a:buChar char="•"/>
+              <a:defRPr sz="2100" kern="1200">
+                <a:solidFill>
+                  <a:schemeClr val="tx1"/>
+                </a:solidFill>
+                <a:latin typeface="+mn-lt"/>
+                <a:ea typeface="+mn-ea"/>
+                <a:cs typeface="+mn-cs"/>
+              </a:defRPr>
+            </a:lvl1pPr>
+            <a:lvl2pPr marL="514350" indent="-171450" algn="l" defTabSz="685800" rtl="0" eaLnBrk="1" latinLnBrk="0" hangingPunct="1">
+              <a:lnSpc>
+                <a:spcPct val="90000"/>
+              </a:lnSpc>
+              <a:spcBef>
+                <a:spcPts val="375"/>
+              </a:spcBef>
+              <a:buFont typeface="Arial" panose="020B0604020202020204" pitchFamily="34" charset="0"/>
+              <a:buChar char="•"/>
+              <a:defRPr sz="1800" kern="1200">
+                <a:solidFill>
+                  <a:schemeClr val="tx1"/>
+                </a:solidFill>
+                <a:latin typeface="+mn-lt"/>
+                <a:ea typeface="+mn-ea"/>
+                <a:cs typeface="+mn-cs"/>
+              </a:defRPr>
+            </a:lvl2pPr>
+            <a:lvl3pPr marL="857250" indent="-171450" algn="l" defTabSz="685800" rtl="0" eaLnBrk="1" latinLnBrk="0" hangingPunct="1">
+              <a:lnSpc>
+                <a:spcPct val="90000"/>
+              </a:lnSpc>
+              <a:spcBef>
+                <a:spcPts val="375"/>
+              </a:spcBef>
+              <a:buFont typeface="Arial" panose="020B0604020202020204" pitchFamily="34" charset="0"/>
+              <a:buChar char="•"/>
+              <a:defRPr sz="1500" kern="1200">
+                <a:solidFill>
+                  <a:schemeClr val="tx1"/>
+                </a:solidFill>
+                <a:latin typeface="+mn-lt"/>
+                <a:ea typeface="+mn-ea"/>
+                <a:cs typeface="+mn-cs"/>
+              </a:defRPr>
+            </a:lvl3pPr>
+            <a:lvl4pPr marL="1200150" indent="-171450" algn="l" defTabSz="685800" rtl="0" eaLnBrk="1" latinLnBrk="0" hangingPunct="1">
+              <a:lnSpc>
+                <a:spcPct val="90000"/>
+              </a:lnSpc>
+              <a:spcBef>
+                <a:spcPts val="375"/>
+              </a:spcBef>
+              <a:buFont typeface="Arial" panose="020B0604020202020204" pitchFamily="34" charset="0"/>
+              <a:buChar char="•"/>
+              <a:defRPr sz="1350" kern="1200">
+                <a:solidFill>
+                  <a:schemeClr val="tx1"/>
+                </a:solidFill>
+                <a:latin typeface="+mn-lt"/>
+                <a:ea typeface="+mn-ea"/>
+                <a:cs typeface="+mn-cs"/>
+              </a:defRPr>
+            </a:lvl4pPr>
+            <a:lvl5pPr marL="1543050" indent="-171450" algn="l" defTabSz="685800" rtl="0" eaLnBrk="1" latinLnBrk="0" hangingPunct="1">
+              <a:lnSpc>
+                <a:spcPct val="90000"/>
+              </a:lnSpc>
+              <a:spcBef>
+                <a:spcPts val="375"/>
+              </a:spcBef>
+              <a:buFont typeface="Arial" panose="020B0604020202020204" pitchFamily="34" charset="0"/>
+              <a:buChar char="•"/>
+              <a:defRPr sz="1350" kern="1200">
+                <a:solidFill>
+                  <a:schemeClr val="tx1"/>
+                </a:solidFill>
+                <a:latin typeface="+mn-lt"/>
+                <a:ea typeface="+mn-ea"/>
+                <a:cs typeface="+mn-cs"/>
+              </a:defRPr>
+            </a:lvl5pPr>
+            <a:lvl6pPr marL="1885950" indent="-171450" algn="l" defTabSz="685800" rtl="0" eaLnBrk="1" latinLnBrk="0" hangingPunct="1">
+              <a:lnSpc>
+                <a:spcPct val="90000"/>
+              </a:lnSpc>
+              <a:spcBef>
+                <a:spcPts val="375"/>
+              </a:spcBef>
+              <a:buFont typeface="Arial" panose="020B0604020202020204" pitchFamily="34" charset="0"/>
+              <a:buChar char="•"/>
+              <a:defRPr sz="1350" kern="1200">
+                <a:solidFill>
+                  <a:schemeClr val="tx1"/>
+                </a:solidFill>
+                <a:latin typeface="+mn-lt"/>
+                <a:ea typeface="+mn-ea"/>
+                <a:cs typeface="+mn-cs"/>
+              </a:defRPr>
+            </a:lvl6pPr>
+            <a:lvl7pPr marL="2228850" indent="-171450" algn="l" defTabSz="685800" rtl="0" eaLnBrk="1" latinLnBrk="0" hangingPunct="1">
+              <a:lnSpc>
+                <a:spcPct val="90000"/>
+              </a:lnSpc>
+              <a:spcBef>
+                <a:spcPts val="375"/>
+              </a:spcBef>
+              <a:buFont typeface="Arial" panose="020B0604020202020204" pitchFamily="34" charset="0"/>
+              <a:buChar char="•"/>
+              <a:defRPr sz="1350" kern="1200">
+                <a:solidFill>
+                  <a:schemeClr val="tx1"/>
+                </a:solidFill>
+                <a:latin typeface="+mn-lt"/>
+                <a:ea typeface="+mn-ea"/>
+                <a:cs typeface="+mn-cs"/>
+              </a:defRPr>
+            </a:lvl7pPr>
+            <a:lvl8pPr marL="2571750" indent="-171450" algn="l" defTabSz="685800" rtl="0" eaLnBrk="1" latinLnBrk="0" hangingPunct="1">
+              <a:lnSpc>
+                <a:spcPct val="90000"/>
+              </a:lnSpc>
+              <a:spcBef>
+                <a:spcPts val="375"/>
+              </a:spcBef>
+              <a:buFont typeface="Arial" panose="020B0604020202020204" pitchFamily="34" charset="0"/>
+              <a:buChar char="•"/>
+              <a:defRPr sz="1350" kern="1200">
+                <a:solidFill>
+                  <a:schemeClr val="tx1"/>
+                </a:solidFill>
+                <a:latin typeface="+mn-lt"/>
+                <a:ea typeface="+mn-ea"/>
+                <a:cs typeface="+mn-cs"/>
+              </a:defRPr>
+            </a:lvl8pPr>
+            <a:lvl9pPr marL="2914650" indent="-171450" algn="l" defTabSz="685800" rtl="0" eaLnBrk="1" latinLnBrk="0" hangingPunct="1">
+              <a:lnSpc>
+                <a:spcPct val="90000"/>
+              </a:lnSpc>
+              <a:spcBef>
+                <a:spcPts val="375"/>
+              </a:spcBef>
+              <a:buFont typeface="Arial" panose="020B0604020202020204" pitchFamily="34" charset="0"/>
+              <a:buChar char="•"/>
+              <a:defRPr sz="1350" kern="1200">
+                <a:solidFill>
+                  <a:schemeClr val="tx1"/>
+                </a:solidFill>
+                <a:latin typeface="+mn-lt"/>
+                <a:ea typeface="+mn-ea"/>
+                <a:cs typeface="+mn-cs"/>
+              </a:defRPr>
+            </a:lvl9pPr>
+          </a:lstStyle>
+          <a:p>
+            <a:pPr marL="0" indent="0">
+              <a:buNone/>
+              <a:defRPr/>
+            </a:pPr>
+            <a:r>
+              <a:rPr lang="uk-UA" sz="2800" b="1" dirty="0">
+                <a:solidFill>
+                  <a:srgbClr val="002060"/>
+                </a:solidFill>
+                <a:latin typeface="Book Antiqua" panose="02040602050305030304" pitchFamily="18" charset="0"/>
+              </a:rPr>
+              <a:t>Машинне навчання (МН, </a:t>
+            </a:r>
+            <a:r>
+              <a:rPr lang="de-DE" sz="2800" b="1" dirty="0" err="1">
+                <a:solidFill>
+                  <a:srgbClr val="002060"/>
+                </a:solidFill>
+                <a:latin typeface="Book Antiqua" panose="02040602050305030304" pitchFamily="18" charset="0"/>
+              </a:rPr>
+              <a:t>machine</a:t>
+            </a:r>
+            <a:r>
+              <a:rPr lang="de-DE" sz="2800" b="1" dirty="0">
+                <a:solidFill>
+                  <a:srgbClr val="002060"/>
+                </a:solidFill>
+                <a:latin typeface="Book Antiqua" panose="02040602050305030304" pitchFamily="18" charset="0"/>
+              </a:rPr>
+              <a:t> </a:t>
+            </a:r>
+            <a:r>
+              <a:rPr lang="de-DE" sz="2800" b="1" dirty="0" err="1">
+                <a:solidFill>
+                  <a:srgbClr val="002060"/>
+                </a:solidFill>
+                <a:latin typeface="Book Antiqua" panose="02040602050305030304" pitchFamily="18" charset="0"/>
+              </a:rPr>
+              <a:t>learning</a:t>
+            </a:r>
+            <a:r>
+              <a:rPr lang="de-DE" sz="2800" b="1" dirty="0">
+                <a:solidFill>
+                  <a:srgbClr val="002060"/>
+                </a:solidFill>
+                <a:latin typeface="Book Antiqua" panose="02040602050305030304" pitchFamily="18" charset="0"/>
+              </a:rPr>
+              <a:t>, ML) — </a:t>
+            </a:r>
+            <a:r>
+              <a:rPr lang="uk-UA" sz="2800" dirty="0">
+                <a:solidFill>
+                  <a:srgbClr val="002060"/>
+                </a:solidFill>
+                <a:latin typeface="Book Antiqua" panose="02040602050305030304" pitchFamily="18" charset="0"/>
+              </a:rPr>
+              <a:t>клас методів та алгоритмів ШІ,</a:t>
+            </a:r>
+            <a:r>
+              <a:rPr lang="de-DE" sz="2800" dirty="0">
+                <a:solidFill>
+                  <a:srgbClr val="002060"/>
+                </a:solidFill>
+                <a:latin typeface="Book Antiqua" panose="02040602050305030304" pitchFamily="18" charset="0"/>
+              </a:rPr>
+              <a:t> </a:t>
+            </a:r>
+            <a:r>
+              <a:rPr lang="uk-UA" sz="2800" dirty="0">
+                <a:solidFill>
+                  <a:srgbClr val="002060"/>
+                </a:solidFill>
+                <a:latin typeface="Book Antiqua" panose="02040602050305030304" pitchFamily="18" charset="0"/>
+              </a:rPr>
+              <a:t>здатних навчатися з даних і узагальнюватися на небачені (невідомі) дані, й відтак виконувати завдання без явних інструкцій.</a:t>
+            </a:r>
+          </a:p>
+          <a:p>
+            <a:pPr marL="0" indent="0">
+              <a:buNone/>
+              <a:defRPr/>
+            </a:pPr>
+            <a:r>
+              <a:rPr lang="uk-UA" sz="2800" b="1" dirty="0">
+                <a:solidFill>
+                  <a:srgbClr val="002060"/>
+                </a:solidFill>
+                <a:latin typeface="Book Antiqua" panose="02040602050305030304" pitchFamily="18" charset="0"/>
+              </a:rPr>
+              <a:t>Характерна риса</a:t>
+            </a:r>
+            <a:r>
+              <a:rPr lang="uk-UA" sz="2800" dirty="0">
+                <a:solidFill>
+                  <a:srgbClr val="002060"/>
+                </a:solidFill>
+                <a:latin typeface="Book Antiqua" panose="02040602050305030304" pitchFamily="18" charset="0"/>
+              </a:rPr>
+              <a:t>  - не пряме розв'язання задачі, а навчання за рахунок застосування рішень безлічі подібних задач.</a:t>
+            </a:r>
+          </a:p>
+          <a:p>
+            <a:pPr marL="0" indent="0">
+              <a:buNone/>
+              <a:defRPr/>
+            </a:pPr>
+            <a:r>
+              <a:rPr lang="uk-UA" sz="2800" dirty="0">
+                <a:solidFill>
+                  <a:srgbClr val="002060"/>
+                </a:solidFill>
+                <a:latin typeface="Book Antiqua" panose="02040602050305030304" pitchFamily="18" charset="0"/>
+              </a:rPr>
+              <a:t>Для побудови таких методів використовуються засоби математичної статистики, чисельних методів, математичного аналізу, методів оптимізації, теорії ймовірностей, теорії графів, різні техніки роботи з даними у цифровій формі.</a:t>
+            </a:r>
+            <a:endParaRPr lang="uk-UA" sz="2800" dirty="0">
+              <a:solidFill>
+                <a:srgbClr val="002060"/>
+              </a:solidFill>
+              <a:latin typeface="Book Antiqua" panose="02040602050305030304" pitchFamily="18" charset="0"/>
+              <a:hlinkClick r:id="rId3">
+                <a:extLst>
+                  <a:ext uri="{A12FA001-AC4F-418D-AE19-62706E023703}">
+                    <ahyp:hlinkClr xmlns:ahyp="http://schemas.microsoft.com/office/drawing/2018/hyperlinkcolor" val="tx"/>
+                  </a:ext>
+                </a:extLst>
+              </a:hlinkClick>
+            </a:endParaRPr>
+          </a:p>
+        </p:txBody>
+      </p:sp>
+      <p:sp>
+        <p:nvSpPr>
+          <p:cNvPr id="5" name="TextShape 1">
+            <a:extLst>
+              <a:ext uri="{FF2B5EF4-FFF2-40B4-BE49-F238E27FC236}">
+                <a16:creationId xmlns:a16="http://schemas.microsoft.com/office/drawing/2014/main" id="{E69E784C-ED28-4A92-8E0C-ED367A7795CF}"/>
+              </a:ext>
+            </a:extLst>
+          </p:cNvPr>
+          <p:cNvSpPr txBox="1"/>
+          <p:nvPr/>
+        </p:nvSpPr>
+        <p:spPr>
+          <a:xfrm>
+            <a:off x="8532440" y="6313439"/>
+            <a:ext cx="442392" cy="457200"/>
+          </a:xfrm>
+          <a:prstGeom prst="rect">
+            <a:avLst/>
+          </a:prstGeom>
+          <a:noFill/>
+          <a:ln>
+            <a:noFill/>
+          </a:ln>
+        </p:spPr>
+        <p:txBody>
+          <a:bodyPr anchor="b"/>
+          <a:lstStyle>
+            <a:lvl1pPr>
+              <a:defRPr>
+                <a:solidFill>
+                  <a:schemeClr val="tx1"/>
+                </a:solidFill>
+                <a:latin typeface="Arial" panose="020B0604020202020204" pitchFamily="34" charset="0"/>
+                <a:cs typeface="DejaVu Sans" panose="020B0603030804020204" pitchFamily="34" charset="0"/>
+              </a:defRPr>
+            </a:lvl1pPr>
+            <a:lvl2pPr marL="742950" indent="-285750">
+              <a:defRPr>
+                <a:solidFill>
+                  <a:schemeClr val="tx1"/>
+                </a:solidFill>
+                <a:latin typeface="Arial" panose="020B0604020202020204" pitchFamily="34" charset="0"/>
+                <a:cs typeface="DejaVu Sans" panose="020B0603030804020204" pitchFamily="34" charset="0"/>
+              </a:defRPr>
+            </a:lvl2pPr>
+            <a:lvl3pPr marL="1143000" indent="-228600">
+              <a:defRPr>
+                <a:solidFill>
+                  <a:schemeClr val="tx1"/>
+                </a:solidFill>
+                <a:latin typeface="Arial" panose="020B0604020202020204" pitchFamily="34" charset="0"/>
+                <a:cs typeface="DejaVu Sans" panose="020B0603030804020204" pitchFamily="34" charset="0"/>
+              </a:defRPr>
+            </a:lvl3pPr>
+            <a:lvl4pPr marL="1600200" indent="-228600">
+              <a:defRPr>
+                <a:solidFill>
+                  <a:schemeClr val="tx1"/>
+                </a:solidFill>
+                <a:latin typeface="Arial" panose="020B0604020202020204" pitchFamily="34" charset="0"/>
+                <a:cs typeface="DejaVu Sans" panose="020B0603030804020204" pitchFamily="34" charset="0"/>
+              </a:defRPr>
+            </a:lvl4pPr>
+            <a:lvl5pPr marL="2057400" indent="-228600">
+              <a:defRPr>
+                <a:solidFill>
+                  <a:schemeClr val="tx1"/>
+                </a:solidFill>
+                <a:latin typeface="Arial" panose="020B0604020202020204" pitchFamily="34" charset="0"/>
+                <a:cs typeface="DejaVu Sans" panose="020B0603030804020204" pitchFamily="34" charset="0"/>
+              </a:defRPr>
+            </a:lvl5pPr>
+            <a:lvl6pPr marL="2514600" indent="-228600" fontAlgn="base">
+              <a:spcBef>
+                <a:spcPct val="0"/>
+              </a:spcBef>
+              <a:spcAft>
+                <a:spcPct val="0"/>
+              </a:spcAft>
+              <a:defRPr>
+                <a:solidFill>
+                  <a:schemeClr val="tx1"/>
+                </a:solidFill>
+                <a:latin typeface="Arial" panose="020B0604020202020204" pitchFamily="34" charset="0"/>
+                <a:cs typeface="DejaVu Sans" panose="020B0603030804020204" pitchFamily="34" charset="0"/>
+              </a:defRPr>
+            </a:lvl6pPr>
+            <a:lvl7pPr marL="2971800" indent="-228600" fontAlgn="base">
+              <a:spcBef>
+                <a:spcPct val="0"/>
+              </a:spcBef>
+              <a:spcAft>
+                <a:spcPct val="0"/>
+              </a:spcAft>
+              <a:defRPr>
+                <a:solidFill>
+                  <a:schemeClr val="tx1"/>
+                </a:solidFill>
+                <a:latin typeface="Arial" panose="020B0604020202020204" pitchFamily="34" charset="0"/>
+                <a:cs typeface="DejaVu Sans" panose="020B0603030804020204" pitchFamily="34" charset="0"/>
+              </a:defRPr>
+            </a:lvl7pPr>
+            <a:lvl8pPr marL="3429000" indent="-228600" fontAlgn="base">
+              <a:spcBef>
+                <a:spcPct val="0"/>
+              </a:spcBef>
+              <a:spcAft>
+                <a:spcPct val="0"/>
+              </a:spcAft>
+              <a:defRPr>
+                <a:solidFill>
+                  <a:schemeClr val="tx1"/>
+                </a:solidFill>
+                <a:latin typeface="Arial" panose="020B0604020202020204" pitchFamily="34" charset="0"/>
+                <a:cs typeface="DejaVu Sans" panose="020B0603030804020204" pitchFamily="34" charset="0"/>
+              </a:defRPr>
+            </a:lvl8pPr>
+            <a:lvl9pPr marL="3886200" indent="-228600" fontAlgn="base">
+              <a:spcBef>
+                <a:spcPct val="0"/>
+              </a:spcBef>
+              <a:spcAft>
+                <a:spcPct val="0"/>
+              </a:spcAft>
+              <a:defRPr>
+                <a:solidFill>
+                  <a:schemeClr val="tx1"/>
+                </a:solidFill>
+                <a:latin typeface="Arial" panose="020B0604020202020204" pitchFamily="34" charset="0"/>
+                <a:cs typeface="DejaVu Sans" panose="020B0603030804020204" pitchFamily="34" charset="0"/>
+              </a:defRPr>
+            </a:lvl9pPr>
+          </a:lstStyle>
+          <a:p>
+            <a:pPr algn="r"/>
+            <a:fld id="{32F61797-D50F-4FE0-AF7F-39CB46C48131}" type="slidenum">
+              <a:rPr lang="uk-UA" altLang="ru-RU" sz="1400" b="1" smtClean="0">
+                <a:solidFill>
+                  <a:srgbClr val="002060"/>
+                </a:solidFill>
+                <a:latin typeface="Tahoma" panose="020B0604030504040204" pitchFamily="34" charset="0"/>
+              </a:rPr>
+              <a:pPr algn="r"/>
               <a:t>9</a:t>
             </a:fld>
             <a:endParaRPr lang="uk-UA" altLang="ru-RU" sz="1400" b="1" dirty="0">
@@ -22688,12 +22193,63 @@
           </a:p>
         </p:txBody>
       </p:sp>
+      <p:sp>
+        <p:nvSpPr>
+          <p:cNvPr id="2" name="TextBox 1">
+            <a:extLst>
+              <a:ext uri="{FF2B5EF4-FFF2-40B4-BE49-F238E27FC236}">
+                <a16:creationId xmlns:a16="http://schemas.microsoft.com/office/drawing/2014/main" id="{F7A625D9-41C0-3D49-97C8-BCDFEC4A08FF}"/>
+              </a:ext>
+            </a:extLst>
+          </p:cNvPr>
+          <p:cNvSpPr txBox="1"/>
+          <p:nvPr/>
+        </p:nvSpPr>
+        <p:spPr>
+          <a:xfrm>
+            <a:off x="107504" y="76200"/>
+            <a:ext cx="8928992" cy="646331"/>
+          </a:xfrm>
+          <a:prstGeom prst="rect">
+            <a:avLst/>
+          </a:prstGeom>
+          <a:noFill/>
+        </p:spPr>
+        <p:txBody>
+          <a:bodyPr wrap="square" rtlCol="0">
+            <a:spAutoFit/>
+          </a:bodyPr>
+          <a:lstStyle/>
+          <a:p>
+            <a:pPr algn="ctr"/>
+            <a:r>
+              <a:rPr lang="uk-UA" altLang="ru-RU" sz="3600" b="1" dirty="0">
+                <a:solidFill>
+                  <a:srgbClr val="002060"/>
+                </a:solidFill>
+                <a:latin typeface="Book Antiqua" panose="02040602050305030304" pitchFamily="18" charset="0"/>
+              </a:rPr>
+              <a:t>Машинне навчання (</a:t>
+            </a:r>
+            <a:r>
+              <a:rPr lang="en-US" altLang="ru-RU" sz="3600" b="1" dirty="0">
+                <a:solidFill>
+                  <a:srgbClr val="002060"/>
+                </a:solidFill>
+                <a:latin typeface="Book Antiqua" panose="02040602050305030304" pitchFamily="18" charset="0"/>
+              </a:rPr>
+              <a:t>ML)</a:t>
+            </a:r>
+            <a:endParaRPr lang="uk-UA" altLang="ru-RU" sz="3600" b="1" dirty="0">
+              <a:solidFill>
+                <a:srgbClr val="002060"/>
+              </a:solidFill>
+              <a:latin typeface="Book Antiqua" panose="02040602050305030304" pitchFamily="18" charset="0"/>
+            </a:endParaRPr>
+          </a:p>
+        </p:txBody>
+      </p:sp>
     </p:spTree>
-    <p:extLst>
-      <p:ext uri="{BB962C8B-B14F-4D97-AF65-F5344CB8AC3E}">
-        <p14:creationId xmlns:p14="http://schemas.microsoft.com/office/powerpoint/2010/main" val="185843469"/>
-      </p:ext>
-    </p:extLst>
   </p:cSld>
   <p:clrMapOvr>
     <a:masterClrMapping/>
